--- a/Final_Project/finalProject_open10938038.pptx
+++ b/Final_Project/finalProject_open10938038.pptx
@@ -17387,10 +17387,10 @@
       </p:sp>
       <p:pic>
         <p:nvPicPr>
-          <p:cNvPr id="8" name="Picture 7" descr="A graph with colorful lines and text&#10;&#10;Description automatically generated">
+          <p:cNvPr id="9" name="Picture 8" descr="A graph of audio editing&#10;&#10;Description automatically generated">
             <a:extLst>
               <a:ext uri="{FF2B5EF4-FFF2-40B4-BE49-F238E27FC236}">
-                <a16:creationId xmlns:a16="http://schemas.microsoft.com/office/drawing/2014/main" id="{DB6E09A3-5C5C-AC25-8BD3-66B1EE1405C2}"/>
+                <a16:creationId xmlns:a16="http://schemas.microsoft.com/office/drawing/2014/main" id="{B1B6E1BB-DDE7-2310-FF6B-C949CD5C2EDB}"/>
               </a:ext>
             </a:extLst>
           </p:cNvPr>
@@ -17413,8 +17413,8 @@
         </p:blipFill>
         <p:spPr>
           <a:xfrm>
-            <a:off x="3886200" y="1905000"/>
-            <a:ext cx="4601217" cy="3867690"/>
+            <a:off x="4014571" y="1905000"/>
+            <a:ext cx="4467849" cy="3753374"/>
           </a:xfrm>
           <a:prstGeom prst="rect">
             <a:avLst/>
@@ -17940,10 +17940,10 @@
       </p:sp>
       <p:pic>
         <p:nvPicPr>
-          <p:cNvPr id="8" name="Picture 7" descr="A graph with colored lines&#10;&#10;Description automatically generated">
+          <p:cNvPr id="9" name="Picture 8" descr="A graph of a video editing trace&#10;&#10;Description automatically generated">
             <a:extLst>
               <a:ext uri="{FF2B5EF4-FFF2-40B4-BE49-F238E27FC236}">
-                <a16:creationId xmlns:a16="http://schemas.microsoft.com/office/drawing/2014/main" id="{CCBABA7E-66DC-7841-FD54-C99717D5943C}"/>
+                <a16:creationId xmlns:a16="http://schemas.microsoft.com/office/drawing/2014/main" id="{5DE7F033-56E4-FC1A-3159-C0B9FE14212D}"/>
               </a:ext>
             </a:extLst>
           </p:cNvPr>
@@ -17966,8 +17966,8 @@
         </p:blipFill>
         <p:spPr>
           <a:xfrm>
-            <a:off x="3962400" y="1905000"/>
-            <a:ext cx="4601217" cy="3858163"/>
+            <a:off x="3962400" y="1981200"/>
+            <a:ext cx="4639322" cy="3753374"/>
           </a:xfrm>
           <a:prstGeom prst="rect">
             <a:avLst/>
@@ -18498,10 +18498,10 @@
       </p:sp>
       <p:pic>
         <p:nvPicPr>
-          <p:cNvPr id="8" name="Picture 7" descr="A graph with different colored lines&#10;&#10;Description automatically generated">
+          <p:cNvPr id="9" name="Picture 8" descr="A graph with different colored lines&#10;&#10;Description automatically generated">
             <a:extLst>
               <a:ext uri="{FF2B5EF4-FFF2-40B4-BE49-F238E27FC236}">
-                <a16:creationId xmlns:a16="http://schemas.microsoft.com/office/drawing/2014/main" id="{C6756B1A-3123-1782-FD0E-5B5535DB300E}"/>
+                <a16:creationId xmlns:a16="http://schemas.microsoft.com/office/drawing/2014/main" id="{D7567256-8D8B-D4BB-9F5A-15105AD27B79}"/>
               </a:ext>
             </a:extLst>
           </p:cNvPr>
@@ -18525,7 +18525,7 @@
         <p:spPr>
           <a:xfrm>
             <a:off x="4051147" y="1981200"/>
-            <a:ext cx="4572638" cy="3743847"/>
+            <a:ext cx="4515480" cy="3772426"/>
           </a:xfrm>
           <a:prstGeom prst="rect">
             <a:avLst/>
@@ -19056,10 +19056,10 @@
       </p:sp>
       <p:pic>
         <p:nvPicPr>
-          <p:cNvPr id="8" name="Picture 7" descr="A graph of compositing trace&#10;&#10;Description automatically generated">
+          <p:cNvPr id="9" name="Picture 8" descr="A graph of composting trace&#10;&#10;Description automatically generated">
             <a:extLst>
               <a:ext uri="{FF2B5EF4-FFF2-40B4-BE49-F238E27FC236}">
-                <a16:creationId xmlns:a16="http://schemas.microsoft.com/office/drawing/2014/main" id="{8EDFE072-0993-FCB4-72FA-9A409EE6F745}"/>
+                <a16:creationId xmlns:a16="http://schemas.microsoft.com/office/drawing/2014/main" id="{5FB3AB75-855E-E034-C8B4-130DA63FD618}"/>
               </a:ext>
             </a:extLst>
           </p:cNvPr>
@@ -19082,8 +19082,8 @@
         </p:blipFill>
         <p:spPr>
           <a:xfrm>
-            <a:off x="4051147" y="1981200"/>
-            <a:ext cx="4553585" cy="3696216"/>
+            <a:off x="4051147" y="1905000"/>
+            <a:ext cx="4572638" cy="3781953"/>
           </a:xfrm>
           <a:prstGeom prst="rect">
             <a:avLst/>

--- a/Final_Project/finalProject_open10938038.pptx
+++ b/Final_Project/finalProject_open10938038.pptx
@@ -19,9 +19,7 @@
     <p:sldId id="268" r:id="rId13"/>
     <p:sldId id="273" r:id="rId14"/>
     <p:sldId id="274" r:id="rId15"/>
-    <p:sldId id="286" r:id="rId16"/>
-    <p:sldId id="287" r:id="rId17"/>
-    <p:sldId id="288" r:id="rId18"/>
+    <p:sldId id="287" r:id="rId16"/>
   </p:sldIdLst>
   <p:sldSz cx="9144000" cy="6858000" type="screen4x3"/>
   <p:notesSz cx="9144000" cy="6858000"/>
@@ -11341,7 +11339,7 @@
         <p:spPr>
           <a:xfrm>
             <a:off x="726135" y="1727403"/>
-            <a:ext cx="7431405" cy="2054409"/>
+            <a:ext cx="7431405" cy="1705595"/>
           </a:xfrm>
           <a:prstGeom prst="rect">
             <a:avLst/>
@@ -11357,9 +11355,6 @@
               <a:lnSpc>
                 <a:spcPct val="100000"/>
               </a:lnSpc>
-              <a:spcBef>
-                <a:spcPts val="100"/>
-              </a:spcBef>
               <a:buFont typeface="Courier New"/>
               <a:buChar char="o"/>
               <a:tabLst>
@@ -11367,524 +11362,145 @@
               </a:tabLst>
             </a:pPr>
             <a:r>
-              <a:rPr sz="1800" dirty="0">
-                <a:latin typeface="Calibri"/>
-                <a:cs typeface="Calibri"/>
-              </a:rPr>
-              <a:t>Set</a:t>
-            </a:r>
-            <a:r>
-              <a:rPr sz="1800" spc="-10" dirty="0">
-                <a:latin typeface="Calibri"/>
-                <a:cs typeface="Calibri"/>
-              </a:rPr>
-              <a:t> </a:t>
-            </a:r>
-            <a:r>
-              <a:rPr lang="it-IT" sz="1800" spc="-10" dirty="0" err="1">
-                <a:latin typeface="Calibri"/>
-                <a:cs typeface="Calibri"/>
-              </a:rPr>
-              <a:t>arrival</a:t>
-            </a:r>
-            <a:r>
-              <a:rPr lang="it-IT" sz="1800" spc="-10" dirty="0">
-                <a:latin typeface="Calibri"/>
-                <a:cs typeface="Calibri"/>
-              </a:rPr>
-              <a:t> r</a:t>
-            </a:r>
-            <a:r>
-              <a:rPr lang="it-IT" spc="-10" dirty="0">
-                <a:latin typeface="Calibri"/>
-                <a:cs typeface="Calibri"/>
-              </a:rPr>
-              <a:t>ate</a:t>
-            </a:r>
-            <a:r>
-              <a:rPr sz="1800" spc="-35" dirty="0">
-                <a:latin typeface="Calibri"/>
-                <a:cs typeface="Calibri"/>
-              </a:rPr>
-              <a:t> </a:t>
-            </a:r>
-            <a:r>
-              <a:rPr sz="1800" dirty="0">
-                <a:latin typeface="Calibri"/>
-                <a:cs typeface="Calibri"/>
-              </a:rPr>
-              <a:t>from</a:t>
-            </a:r>
-            <a:r>
-              <a:rPr sz="1800" spc="-30" dirty="0">
-                <a:latin typeface="Calibri"/>
-                <a:cs typeface="Calibri"/>
-              </a:rPr>
-              <a:t> </a:t>
-            </a:r>
-            <a:r>
-              <a:rPr lang="it-IT" sz="1800" spc="-30" dirty="0">
-                <a:latin typeface="Calibri"/>
-                <a:cs typeface="Calibri"/>
-              </a:rPr>
-              <a:t>0.</a:t>
-            </a:r>
-            <a:r>
-              <a:rPr sz="1800" dirty="0">
-                <a:latin typeface="Calibri"/>
-                <a:cs typeface="Calibri"/>
-              </a:rPr>
-              <a:t>1</a:t>
-            </a:r>
-            <a:r>
-              <a:rPr sz="1800" spc="-25" dirty="0">
-                <a:latin typeface="Calibri"/>
-                <a:cs typeface="Calibri"/>
-              </a:rPr>
-              <a:t> </a:t>
-            </a:r>
-            <a:r>
-              <a:rPr sz="1800" dirty="0">
-                <a:latin typeface="Calibri"/>
-                <a:cs typeface="Calibri"/>
-              </a:rPr>
-              <a:t>to</a:t>
-            </a:r>
-            <a:r>
-              <a:rPr sz="1800" spc="-20" dirty="0">
-                <a:latin typeface="Calibri"/>
-                <a:cs typeface="Calibri"/>
-              </a:rPr>
-              <a:t> </a:t>
-            </a:r>
-            <a:r>
-              <a:rPr lang="it-IT" sz="1800" spc="-20" dirty="0">
-                <a:latin typeface="Calibri"/>
-                <a:cs typeface="Calibri"/>
-              </a:rPr>
-              <a:t>0.12</a:t>
-            </a:r>
-            <a:r>
-              <a:rPr sz="1800" spc="-25" dirty="0">
-                <a:latin typeface="Calibri"/>
-                <a:cs typeface="Calibri"/>
-              </a:rPr>
-              <a:t> </a:t>
-            </a:r>
-            <a:r>
-              <a:rPr sz="1800" dirty="0">
-                <a:latin typeface="Calibri"/>
-                <a:cs typeface="Calibri"/>
-              </a:rPr>
-              <a:t>with</a:t>
-            </a:r>
-            <a:r>
-              <a:rPr sz="1800" spc="-20" dirty="0">
-                <a:latin typeface="Calibri"/>
-                <a:cs typeface="Calibri"/>
-              </a:rPr>
-              <a:t> </a:t>
-            </a:r>
-            <a:r>
-              <a:rPr sz="1800" dirty="0">
-                <a:latin typeface="Calibri"/>
-                <a:cs typeface="Calibri"/>
-              </a:rPr>
-              <a:t>step</a:t>
-            </a:r>
-            <a:r>
-              <a:rPr lang="it-IT" sz="1800" dirty="0">
-                <a:latin typeface="Calibri"/>
-                <a:cs typeface="Calibri"/>
-              </a:rPr>
-              <a:t>s</a:t>
-            </a:r>
-            <a:r>
-              <a:rPr sz="1800" spc="5" dirty="0">
-                <a:latin typeface="Calibri"/>
-                <a:cs typeface="Calibri"/>
-              </a:rPr>
-              <a:t> </a:t>
-            </a:r>
-            <a:r>
-              <a:rPr sz="1800" dirty="0">
-                <a:latin typeface="Calibri"/>
-                <a:cs typeface="Calibri"/>
-              </a:rPr>
-              <a:t>=</a:t>
-            </a:r>
-            <a:r>
-              <a:rPr sz="1800" spc="-35" dirty="0">
-                <a:latin typeface="Calibri"/>
-                <a:cs typeface="Calibri"/>
-              </a:rPr>
-              <a:t> </a:t>
-            </a:r>
-            <a:r>
-              <a:rPr lang="it-IT" spc="-35" dirty="0">
-                <a:latin typeface="Calibri"/>
-                <a:cs typeface="Calibri"/>
-              </a:rPr>
-              <a:t>1</a:t>
-            </a:r>
-            <a:r>
-              <a:rPr lang="it-IT" sz="1800" dirty="0">
-                <a:latin typeface="Calibri"/>
-                <a:cs typeface="Calibri"/>
-              </a:rPr>
-              <a:t>0</a:t>
-            </a:r>
-            <a:r>
-              <a:rPr sz="1800" spc="-25" dirty="0">
-                <a:latin typeface="Calibri"/>
-                <a:cs typeface="Calibri"/>
-              </a:rPr>
-              <a:t> </a:t>
-            </a:r>
-            <a:r>
-              <a:rPr sz="1800" dirty="0">
-                <a:latin typeface="Calibri"/>
-                <a:cs typeface="Calibri"/>
-              </a:rPr>
-              <a:t>for</a:t>
-            </a:r>
-            <a:r>
-              <a:rPr sz="1800" spc="-10" dirty="0">
-                <a:latin typeface="Calibri"/>
-                <a:cs typeface="Calibri"/>
-              </a:rPr>
-              <a:t> </a:t>
-            </a:r>
-            <a:r>
-              <a:rPr sz="1800" dirty="0">
+              <a:rPr lang="en-US" sz="1800" dirty="0">
+                <a:latin typeface="Calibri"/>
+                <a:cs typeface="Calibri"/>
+              </a:rPr>
+              <a:t>Define</a:t>
+            </a:r>
+            <a:r>
+              <a:rPr lang="en-US" sz="1800" spc="-5" dirty="0">
+                <a:latin typeface="Calibri"/>
+                <a:cs typeface="Calibri"/>
+              </a:rPr>
+              <a:t> </a:t>
+            </a:r>
+            <a:r>
+              <a:rPr lang="en-US" sz="1800" dirty="0">
+                <a:latin typeface="Calibri"/>
+                <a:cs typeface="Calibri"/>
+              </a:rPr>
+              <a:t>an</a:t>
+            </a:r>
+            <a:r>
+              <a:rPr lang="en-US" sz="1800" spc="-50" dirty="0">
+                <a:latin typeface="Calibri"/>
+                <a:cs typeface="Calibri"/>
+              </a:rPr>
+              <a:t> </a:t>
+            </a:r>
+            <a:r>
+              <a:rPr lang="en-US" b="1" spc="-50" dirty="0">
+                <a:latin typeface="Calibri"/>
+                <a:cs typeface="Calibri"/>
+              </a:rPr>
+              <a:t>open</a:t>
+            </a:r>
+            <a:r>
+              <a:rPr lang="en-US" sz="1800" b="1" spc="-65" dirty="0">
+                <a:latin typeface="Calibri"/>
+                <a:cs typeface="Calibri"/>
+              </a:rPr>
+              <a:t> </a:t>
+            </a:r>
+            <a:r>
+              <a:rPr lang="en-US" sz="1800" b="1" dirty="0">
+                <a:latin typeface="Calibri"/>
+                <a:cs typeface="Calibri"/>
+              </a:rPr>
+              <a:t>class</a:t>
+            </a:r>
+            <a:r>
+              <a:rPr lang="en-US" sz="1800" dirty="0">
+                <a:latin typeface="Calibri"/>
+                <a:cs typeface="Calibri"/>
+              </a:rPr>
+              <a:t>,</a:t>
+            </a:r>
+            <a:r>
+              <a:rPr lang="en-US" sz="1800" spc="-55" dirty="0">
+                <a:latin typeface="Calibri"/>
+                <a:cs typeface="Calibri"/>
+              </a:rPr>
+              <a:t> </a:t>
+            </a:r>
+            <a:r>
+              <a:rPr lang="en-US" sz="1800" dirty="0">
+                <a:latin typeface="Calibri"/>
+                <a:cs typeface="Calibri"/>
+              </a:rPr>
+              <a:t>setting</a:t>
+            </a:r>
+            <a:r>
+              <a:rPr lang="en-US" sz="1800" spc="-40" dirty="0">
+                <a:latin typeface="Calibri"/>
+                <a:cs typeface="Calibri"/>
+              </a:rPr>
+              <a:t> </a:t>
+            </a:r>
+            <a:r>
+              <a:rPr lang="en-US" sz="1800" dirty="0">
+                <a:latin typeface="Calibri"/>
+                <a:cs typeface="Calibri"/>
+              </a:rPr>
+              <a:t>as</a:t>
+            </a:r>
+            <a:r>
+              <a:rPr lang="en-US" sz="1800" spc="-65" dirty="0">
+                <a:latin typeface="Calibri"/>
+                <a:cs typeface="Calibri"/>
+              </a:rPr>
+              <a:t> </a:t>
+            </a:r>
+            <a:r>
+              <a:rPr lang="en-US" sz="1800" spc="-10" dirty="0">
+                <a:latin typeface="Calibri"/>
+                <a:cs typeface="Calibri"/>
+              </a:rPr>
+              <a:t>Reference</a:t>
+            </a:r>
+            <a:r>
+              <a:rPr lang="en-US" sz="1800" spc="-5" dirty="0">
+                <a:latin typeface="Calibri"/>
+                <a:cs typeface="Calibri"/>
+              </a:rPr>
+              <a:t> </a:t>
+            </a:r>
+            <a:r>
+              <a:rPr lang="en-US" sz="1800" dirty="0">
+                <a:latin typeface="Calibri"/>
+                <a:cs typeface="Calibri"/>
+              </a:rPr>
+              <a:t>Station</a:t>
+            </a:r>
+            <a:r>
+              <a:rPr lang="en-US" sz="1800" spc="-45" dirty="0">
+                <a:latin typeface="Calibri"/>
+                <a:cs typeface="Calibri"/>
+              </a:rPr>
+              <a:t> </a:t>
+            </a:r>
+            <a:r>
+              <a:rPr lang="en-US" sz="1800" dirty="0">
                 <a:latin typeface="Calibri"/>
                 <a:cs typeface="Calibri"/>
               </a:rPr>
               <a:t>the</a:t>
             </a:r>
             <a:r>
-              <a:rPr sz="1800" spc="20" dirty="0">
-                <a:latin typeface="Calibri"/>
-                <a:cs typeface="Calibri"/>
-              </a:rPr>
-              <a:t> </a:t>
-            </a:r>
-            <a:r>
-              <a:rPr sz="1800" b="1" spc="-20" dirty="0">
-                <a:latin typeface="Calibri"/>
-                <a:cs typeface="Calibri"/>
-              </a:rPr>
-              <a:t>What-</a:t>
-            </a:r>
-            <a:r>
-              <a:rPr sz="1800" b="1" dirty="0">
-                <a:latin typeface="Calibri"/>
-                <a:cs typeface="Calibri"/>
-              </a:rPr>
-              <a:t>If</a:t>
-            </a:r>
-            <a:r>
-              <a:rPr sz="1800" b="1" spc="-25" dirty="0">
-                <a:latin typeface="Calibri"/>
-                <a:cs typeface="Calibri"/>
-              </a:rPr>
-              <a:t> </a:t>
-            </a:r>
-            <a:r>
-              <a:rPr sz="1800" b="1" spc="-10" dirty="0">
-                <a:latin typeface="Calibri"/>
-                <a:cs typeface="Calibri"/>
-              </a:rPr>
-              <a:t>analysis</a:t>
-            </a:r>
-            <a:r>
-              <a:rPr lang="it-IT" b="1" spc="-10" dirty="0">
-                <a:latin typeface="Calibri"/>
-                <a:cs typeface="Calibri"/>
-              </a:rPr>
-              <a:t> </a:t>
-            </a:r>
-            <a:r>
-              <a:rPr lang="it-IT" spc="-10" dirty="0">
-                <a:solidFill>
-                  <a:schemeClr val="accent1"/>
-                </a:solidFill>
-                <a:latin typeface="Calibri"/>
-                <a:cs typeface="Calibri"/>
-              </a:rPr>
-              <a:t>(NB: </a:t>
-            </a:r>
-            <a:r>
-              <a:rPr lang="it-IT" spc="-10" dirty="0" err="1">
-                <a:solidFill>
-                  <a:schemeClr val="accent1"/>
-                </a:solidFill>
-                <a:latin typeface="Calibri"/>
-                <a:cs typeface="Calibri"/>
-              </a:rPr>
-              <a:t>these</a:t>
-            </a:r>
-            <a:r>
-              <a:rPr lang="it-IT" spc="-10" dirty="0">
-                <a:solidFill>
-                  <a:schemeClr val="accent1"/>
-                </a:solidFill>
-                <a:latin typeface="Calibri"/>
-                <a:cs typeface="Calibri"/>
-              </a:rPr>
-              <a:t> </a:t>
-            </a:r>
-            <a:r>
-              <a:rPr lang="it-IT" spc="-10" dirty="0" err="1">
-                <a:solidFill>
-                  <a:schemeClr val="accent1"/>
-                </a:solidFill>
-                <a:latin typeface="Calibri"/>
-                <a:cs typeface="Calibri"/>
-              </a:rPr>
-              <a:t>parameters</a:t>
-            </a:r>
-            <a:r>
-              <a:rPr lang="it-IT" spc="-10" dirty="0">
-                <a:solidFill>
-                  <a:schemeClr val="accent1"/>
-                </a:solidFill>
-                <a:latin typeface="Calibri"/>
-                <a:cs typeface="Calibri"/>
-              </a:rPr>
-              <a:t> work for the last </a:t>
-            </a:r>
-            <a:r>
-              <a:rPr lang="it-IT" spc="-10" dirty="0" err="1">
-                <a:solidFill>
-                  <a:schemeClr val="accent1"/>
-                </a:solidFill>
-                <a:latin typeface="Calibri"/>
-                <a:cs typeface="Calibri"/>
-              </a:rPr>
-              <a:t>configuration</a:t>
-            </a:r>
-            <a:r>
-              <a:rPr lang="it-IT" spc="-10" dirty="0">
-                <a:solidFill>
-                  <a:schemeClr val="accent1"/>
-                </a:solidFill>
-                <a:latin typeface="Calibri"/>
-                <a:cs typeface="Calibri"/>
-              </a:rPr>
-              <a:t> with 1 audio, 2 video and 2 </a:t>
-            </a:r>
-            <a:r>
-              <a:rPr lang="it-IT" spc="-10" dirty="0" err="1">
-                <a:solidFill>
-                  <a:schemeClr val="accent1"/>
-                </a:solidFill>
-                <a:latin typeface="Calibri"/>
-                <a:cs typeface="Calibri"/>
-              </a:rPr>
-              <a:t>vfx</a:t>
-            </a:r>
-            <a:r>
-              <a:rPr lang="it-IT" spc="-10" dirty="0">
-                <a:solidFill>
-                  <a:schemeClr val="accent1"/>
-                </a:solidFill>
-                <a:latin typeface="Calibri"/>
-                <a:cs typeface="Calibri"/>
-              </a:rPr>
-              <a:t>; </a:t>
-            </a:r>
-            <a:r>
-              <a:rPr lang="it-IT" spc="-10" dirty="0" err="1">
-                <a:solidFill>
-                  <a:schemeClr val="accent1"/>
-                </a:solidFill>
-                <a:latin typeface="Calibri"/>
-                <a:cs typeface="Calibri"/>
-              </a:rPr>
-              <a:t>but</a:t>
-            </a:r>
-            <a:r>
-              <a:rPr lang="it-IT" spc="-10" dirty="0">
-                <a:solidFill>
-                  <a:schemeClr val="accent1"/>
-                </a:solidFill>
-                <a:latin typeface="Calibri"/>
-                <a:cs typeface="Calibri"/>
-              </a:rPr>
-              <a:t> for the </a:t>
-            </a:r>
-            <a:r>
-              <a:rPr lang="it-IT" spc="-10" dirty="0" err="1">
-                <a:solidFill>
-                  <a:schemeClr val="accent1"/>
-                </a:solidFill>
-                <a:latin typeface="Calibri"/>
-                <a:cs typeface="Calibri"/>
-              </a:rPr>
-              <a:t>other</a:t>
-            </a:r>
-            <a:r>
-              <a:rPr lang="it-IT" spc="-10" dirty="0">
-                <a:solidFill>
-                  <a:schemeClr val="accent1"/>
-                </a:solidFill>
-                <a:latin typeface="Calibri"/>
-                <a:cs typeface="Calibri"/>
-              </a:rPr>
-              <a:t> </a:t>
-            </a:r>
-            <a:r>
-              <a:rPr lang="it-IT" spc="-10" dirty="0" err="1">
-                <a:solidFill>
-                  <a:schemeClr val="accent1"/>
-                </a:solidFill>
-                <a:latin typeface="Calibri"/>
-                <a:cs typeface="Calibri"/>
-              </a:rPr>
-              <a:t>configurations</a:t>
-            </a:r>
-            <a:r>
-              <a:rPr lang="it-IT" spc="-10" dirty="0">
-                <a:solidFill>
-                  <a:schemeClr val="accent1"/>
-                </a:solidFill>
-                <a:latin typeface="Calibri"/>
-                <a:cs typeface="Calibri"/>
-              </a:rPr>
-              <a:t> I </a:t>
-            </a:r>
-            <a:r>
-              <a:rPr lang="it-IT" spc="-10" dirty="0" err="1">
-                <a:solidFill>
-                  <a:schemeClr val="accent1"/>
-                </a:solidFill>
-                <a:latin typeface="Calibri"/>
-                <a:cs typeface="Calibri"/>
-              </a:rPr>
-              <a:t>used</a:t>
-            </a:r>
-            <a:r>
-              <a:rPr lang="it-IT" spc="-10" dirty="0">
-                <a:solidFill>
-                  <a:schemeClr val="accent1"/>
-                </a:solidFill>
-                <a:latin typeface="Calibri"/>
-                <a:cs typeface="Calibri"/>
-              </a:rPr>
-              <a:t> </a:t>
-            </a:r>
-            <a:r>
-              <a:rPr lang="it-IT" spc="-10" dirty="0" err="1">
-                <a:solidFill>
-                  <a:schemeClr val="accent1"/>
-                </a:solidFill>
-                <a:latin typeface="Calibri"/>
-                <a:cs typeface="Calibri"/>
-              </a:rPr>
-              <a:t>lower</a:t>
-            </a:r>
-            <a:r>
-              <a:rPr lang="it-IT" spc="-10" dirty="0">
-                <a:solidFill>
-                  <a:schemeClr val="accent1"/>
-                </a:solidFill>
-                <a:latin typeface="Calibri"/>
-                <a:cs typeface="Calibri"/>
-              </a:rPr>
-              <a:t> </a:t>
-            </a:r>
-            <a:r>
-              <a:rPr lang="it-IT" spc="-10" dirty="0" err="1">
-                <a:solidFill>
-                  <a:schemeClr val="accent1"/>
-                </a:solidFill>
-                <a:latin typeface="Calibri"/>
-                <a:cs typeface="Calibri"/>
-              </a:rPr>
-              <a:t>mean</a:t>
-            </a:r>
-            <a:r>
-              <a:rPr lang="it-IT" spc="-10" dirty="0">
-                <a:solidFill>
-                  <a:schemeClr val="accent1"/>
-                </a:solidFill>
-                <a:latin typeface="Calibri"/>
-                <a:cs typeface="Calibri"/>
-              </a:rPr>
-              <a:t> </a:t>
-            </a:r>
-            <a:r>
-              <a:rPr lang="it-IT" spc="-10" dirty="0" err="1">
-                <a:solidFill>
-                  <a:schemeClr val="accent1"/>
-                </a:solidFill>
-                <a:latin typeface="Calibri"/>
-                <a:cs typeface="Calibri"/>
-              </a:rPr>
-              <a:t>values</a:t>
-            </a:r>
-            <a:r>
-              <a:rPr lang="it-IT" spc="-10" dirty="0">
-                <a:solidFill>
-                  <a:schemeClr val="accent1"/>
-                </a:solidFill>
-                <a:latin typeface="Calibri"/>
-                <a:cs typeface="Calibri"/>
-              </a:rPr>
-              <a:t> in the </a:t>
-            </a:r>
-            <a:r>
-              <a:rPr lang="it-IT" spc="-10" dirty="0" err="1">
-                <a:solidFill>
-                  <a:schemeClr val="accent1"/>
-                </a:solidFill>
-                <a:latin typeface="Calibri"/>
-                <a:cs typeface="Calibri"/>
-              </a:rPr>
-              <a:t>deterministic</a:t>
-            </a:r>
-            <a:r>
-              <a:rPr lang="it-IT" spc="-10" dirty="0">
-                <a:solidFill>
-                  <a:schemeClr val="accent1"/>
-                </a:solidFill>
-                <a:latin typeface="Calibri"/>
-                <a:cs typeface="Calibri"/>
-              </a:rPr>
-              <a:t> </a:t>
-            </a:r>
-            <a:r>
-              <a:rPr lang="it-IT" spc="-10" dirty="0" err="1">
-                <a:solidFill>
-                  <a:schemeClr val="accent1"/>
-                </a:solidFill>
-                <a:latin typeface="Calibri"/>
-                <a:cs typeface="Calibri"/>
-              </a:rPr>
-              <a:t>distribution</a:t>
-            </a:r>
-            <a:r>
-              <a:rPr lang="it-IT" spc="-10" dirty="0">
-                <a:solidFill>
-                  <a:schemeClr val="accent1"/>
-                </a:solidFill>
-                <a:latin typeface="Calibri"/>
-                <a:cs typeface="Calibri"/>
-              </a:rPr>
-              <a:t>)</a:t>
-            </a:r>
-            <a:r>
-              <a:rPr sz="1800" spc="-10" dirty="0">
-                <a:latin typeface="Calibri"/>
-                <a:cs typeface="Calibri"/>
-              </a:rPr>
-              <a:t>.</a:t>
-            </a:r>
-            <a:endParaRPr sz="1800" dirty="0">
-              <a:latin typeface="Calibri"/>
-              <a:cs typeface="Calibri"/>
-            </a:endParaRPr>
+              <a:rPr lang="en-US" sz="1800" spc="-45" dirty="0">
+                <a:latin typeface="Calibri"/>
+                <a:cs typeface="Calibri"/>
+              </a:rPr>
+              <a:t> </a:t>
+            </a:r>
+            <a:r>
+              <a:rPr lang="en-US" sz="1800" dirty="0">
+                <a:latin typeface="Calibri"/>
+                <a:cs typeface="Calibri"/>
+              </a:rPr>
+              <a:t>Source and deterministic arrival rate</a:t>
+            </a:r>
           </a:p>
           <a:p>
             <a:pPr>
@@ -11897,209 +11513,66 @@
               <a:buFont typeface="Courier New"/>
               <a:buChar char="o"/>
             </a:pPr>
-            <a:endParaRPr sz="1800" dirty="0">
+            <a:endParaRPr lang="it-IT" sz="1800" dirty="0">
               <a:latin typeface="Calibri"/>
               <a:cs typeface="Calibri"/>
             </a:endParaRPr>
           </a:p>
           <a:p>
-            <a:pPr marL="298450" indent="-285750">
+            <a:pPr>
               <a:lnSpc>
                 <a:spcPct val="100000"/>
               </a:lnSpc>
-              <a:buFont typeface="Courier New"/>
-              <a:buChar char="o"/>
-              <a:tabLst>
-                <a:tab pos="298450" algn="l"/>
-              </a:tabLst>
+              <a:spcBef>
+                <a:spcPts val="830"/>
+              </a:spcBef>
             </a:pPr>
-            <a:r>
-              <a:rPr sz="1800" dirty="0">
-                <a:latin typeface="Calibri"/>
-                <a:cs typeface="Calibri"/>
-              </a:rPr>
-              <a:t>Define</a:t>
-            </a:r>
-            <a:r>
-              <a:rPr sz="1800" spc="-5" dirty="0">
-                <a:latin typeface="Calibri"/>
-                <a:cs typeface="Calibri"/>
-              </a:rPr>
-              <a:t> </a:t>
-            </a:r>
-            <a:r>
-              <a:rPr sz="1800" dirty="0">
-                <a:latin typeface="Calibri"/>
-                <a:cs typeface="Calibri"/>
-              </a:rPr>
-              <a:t>a</a:t>
-            </a:r>
-            <a:r>
-              <a:rPr lang="it-IT" sz="1800" dirty="0">
-                <a:latin typeface="Calibri"/>
-                <a:cs typeface="Calibri"/>
-              </a:rPr>
-              <a:t>n</a:t>
-            </a:r>
-            <a:r>
-              <a:rPr lang="it-IT" sz="1800" spc="-50" dirty="0">
-                <a:latin typeface="Calibri"/>
-                <a:cs typeface="Calibri"/>
-              </a:rPr>
-              <a:t> </a:t>
-            </a:r>
-            <a:r>
-              <a:rPr lang="it-IT" b="1" spc="-50" dirty="0">
-                <a:latin typeface="Calibri"/>
-                <a:cs typeface="Calibri"/>
-              </a:rPr>
-              <a:t>open</a:t>
-            </a:r>
-            <a:r>
-              <a:rPr lang="it-IT" sz="1800" b="1" spc="-65" dirty="0">
-                <a:latin typeface="Calibri"/>
-                <a:cs typeface="Calibri"/>
-              </a:rPr>
-              <a:t> </a:t>
-            </a:r>
-            <a:r>
-              <a:rPr sz="1800" b="1" dirty="0">
-                <a:latin typeface="Calibri"/>
-                <a:cs typeface="Calibri"/>
-              </a:rPr>
-              <a:t>class</a:t>
-            </a:r>
-            <a:r>
-              <a:rPr sz="1800" dirty="0">
-                <a:latin typeface="Calibri"/>
-                <a:cs typeface="Calibri"/>
-              </a:rPr>
-              <a:t>,</a:t>
-            </a:r>
-            <a:r>
-              <a:rPr sz="1800" spc="-55" dirty="0">
-                <a:latin typeface="Calibri"/>
-                <a:cs typeface="Calibri"/>
-              </a:rPr>
-              <a:t> </a:t>
-            </a:r>
-            <a:r>
-              <a:rPr sz="1800" dirty="0">
-                <a:latin typeface="Calibri"/>
-                <a:cs typeface="Calibri"/>
-              </a:rPr>
-              <a:t>setting</a:t>
-            </a:r>
-            <a:r>
-              <a:rPr sz="1800" spc="-40" dirty="0">
-                <a:latin typeface="Calibri"/>
-                <a:cs typeface="Calibri"/>
-              </a:rPr>
-              <a:t> </a:t>
-            </a:r>
-            <a:r>
-              <a:rPr sz="1800" dirty="0">
-                <a:latin typeface="Calibri"/>
-                <a:cs typeface="Calibri"/>
-              </a:rPr>
-              <a:t>as</a:t>
-            </a:r>
-            <a:r>
-              <a:rPr sz="1800" spc="-65" dirty="0">
-                <a:latin typeface="Calibri"/>
-                <a:cs typeface="Calibri"/>
-              </a:rPr>
-              <a:t> </a:t>
-            </a:r>
-            <a:r>
-              <a:rPr sz="1800" spc="-10" dirty="0">
-                <a:latin typeface="Calibri"/>
-                <a:cs typeface="Calibri"/>
-              </a:rPr>
-              <a:t>Reference</a:t>
-            </a:r>
-            <a:r>
-              <a:rPr sz="1800" spc="-5" dirty="0">
-                <a:latin typeface="Calibri"/>
-                <a:cs typeface="Calibri"/>
-              </a:rPr>
-              <a:t> </a:t>
-            </a:r>
-            <a:r>
-              <a:rPr sz="1800" dirty="0">
-                <a:latin typeface="Calibri"/>
-                <a:cs typeface="Calibri"/>
-              </a:rPr>
-              <a:t>Station</a:t>
-            </a:r>
-            <a:r>
-              <a:rPr sz="1800" spc="-45" dirty="0">
-                <a:latin typeface="Calibri"/>
-                <a:cs typeface="Calibri"/>
-              </a:rPr>
-              <a:t> </a:t>
-            </a:r>
-            <a:r>
-              <a:rPr sz="1800" dirty="0">
-                <a:latin typeface="Calibri"/>
-                <a:cs typeface="Calibri"/>
-              </a:rPr>
-              <a:t>the</a:t>
-            </a:r>
-            <a:r>
-              <a:rPr sz="1800" spc="-45" dirty="0">
-                <a:latin typeface="Calibri"/>
-                <a:cs typeface="Calibri"/>
-              </a:rPr>
-              <a:t> </a:t>
-            </a:r>
-            <a:r>
-              <a:rPr lang="it-IT" sz="1800" dirty="0">
-                <a:latin typeface="Calibri"/>
-                <a:cs typeface="Calibri"/>
-              </a:rPr>
-              <a:t>Source and </a:t>
-            </a:r>
-            <a:r>
-              <a:rPr lang="it-IT" sz="1800" dirty="0" err="1">
-                <a:latin typeface="Calibri"/>
-                <a:cs typeface="Calibri"/>
-              </a:rPr>
-              <a:t>deterministic</a:t>
-            </a:r>
-            <a:r>
-              <a:rPr lang="it-IT" sz="1800" dirty="0">
-                <a:latin typeface="Calibri"/>
-                <a:cs typeface="Calibri"/>
-              </a:rPr>
-              <a:t> </a:t>
-            </a:r>
-            <a:r>
-              <a:rPr lang="it-IT" sz="1800" dirty="0" err="1">
-                <a:latin typeface="Calibri"/>
-                <a:cs typeface="Calibri"/>
-              </a:rPr>
-              <a:t>arrival</a:t>
-            </a:r>
-            <a:r>
-              <a:rPr lang="it-IT" sz="1800" dirty="0">
-                <a:latin typeface="Calibri"/>
-                <a:cs typeface="Calibri"/>
-              </a:rPr>
-              <a:t> rate</a:t>
-            </a:r>
-            <a:r>
-              <a:rPr sz="1800" spc="-10" dirty="0">
-                <a:latin typeface="Calibri"/>
-                <a:cs typeface="Calibri"/>
-              </a:rPr>
-              <a:t>:</a:t>
-            </a:r>
-            <a:endParaRPr sz="1800" dirty="0">
+            <a:endParaRPr lang="en-US" dirty="0">
               <a:latin typeface="Calibri"/>
               <a:cs typeface="Calibri"/>
             </a:endParaRPr>
           </a:p>
+          <a:p>
+            <a:pPr>
+              <a:spcBef>
+                <a:spcPts val="830"/>
+              </a:spcBef>
+              <a:buFont typeface="Courier New"/>
+              <a:buChar char="o"/>
+            </a:pPr>
+            <a:r>
+              <a:rPr lang="en-US" sz="1800" dirty="0">
+                <a:latin typeface="Calibri"/>
+                <a:cs typeface="Calibri"/>
+              </a:rPr>
+              <a:t>   Set</a:t>
+            </a:r>
+            <a:r>
+              <a:rPr lang="en-US" sz="1800" spc="-10" dirty="0">
+                <a:latin typeface="Calibri"/>
+                <a:cs typeface="Calibri"/>
+              </a:rPr>
+              <a:t> </a:t>
+            </a:r>
+            <a:r>
+              <a:rPr lang="en-US" spc="-10" dirty="0">
+                <a:latin typeface="Calibri"/>
+                <a:cs typeface="Calibri"/>
+              </a:rPr>
+              <a:t>deterministic distribution with also the mean value</a:t>
+            </a:r>
+            <a:r>
+              <a:rPr lang="en-US" sz="1800" spc="-10" dirty="0">
+                <a:latin typeface="Calibri"/>
+                <a:cs typeface="Calibri"/>
+              </a:rPr>
+              <a:t>.</a:t>
+            </a:r>
+            <a:endParaRPr lang="en-US" sz="1800" dirty="0">
+              <a:latin typeface="Calibri"/>
+              <a:cs typeface="Calibri"/>
+            </a:endParaRPr>
+          </a:p>
         </p:txBody>
       </p:sp>
       <p:sp>
@@ -12111,7 +11584,7 @@
         <p:spPr>
           <a:xfrm>
             <a:off x="726135" y="4636198"/>
-            <a:ext cx="8068309" cy="685165"/>
+            <a:ext cx="8068309" cy="673902"/>
           </a:xfrm>
           <a:prstGeom prst="rect">
             <a:avLst/>
@@ -12339,9 +11812,6 @@
           </a:p>
           <a:p>
             <a:pPr marL="299085">
-              <a:lnSpc>
-                <a:spcPct val="100000"/>
-              </a:lnSpc>
               <a:spcBef>
                 <a:spcPts val="434"/>
               </a:spcBef>
@@ -12570,42 +12040,6 @@
           </a:p>
         </p:txBody>
       </p:sp>
-      <p:pic>
-        <p:nvPicPr>
-          <p:cNvPr id="9" name="Picture 8" descr="A screenshot of a computer&#10;&#10;Description automatically generated">
-            <a:extLst>
-              <a:ext uri="{FF2B5EF4-FFF2-40B4-BE49-F238E27FC236}">
-                <a16:creationId xmlns:a16="http://schemas.microsoft.com/office/drawing/2014/main" id="{70C4FB94-17C7-0FB9-45A0-5B059D7DCAB4}"/>
-              </a:ext>
-            </a:extLst>
-          </p:cNvPr>
-          <p:cNvPicPr>
-            <a:picLocks noChangeAspect="1"/>
-          </p:cNvPicPr>
-          <p:nvPr/>
-        </p:nvPicPr>
-        <p:blipFill>
-          <a:blip r:embed="rId2">
-            <a:extLst>
-              <a:ext uri="{28A0092B-C50C-407E-A947-70E740481C1C}">
-                <a14:useLocalDpi xmlns:a14="http://schemas.microsoft.com/office/drawing/2010/main" val="0"/>
-              </a:ext>
-            </a:extLst>
-          </a:blip>
-          <a:stretch>
-            <a:fillRect/>
-          </a:stretch>
-        </p:blipFill>
-        <p:spPr>
-          <a:xfrm>
-            <a:off x="726135" y="3226589"/>
-            <a:ext cx="8068309" cy="1127739"/>
-          </a:xfrm>
-          <a:prstGeom prst="rect">
-            <a:avLst/>
-          </a:prstGeom>
-        </p:spPr>
-      </p:pic>
     </p:spTree>
   </p:cSld>
   <p:clrMapOvr>
@@ -12719,18 +12153,11 @@
               <a:t>all</a:t>
             </a:r>
             <a:r>
-              <a:rPr lang="it-IT" sz="1800" b="1" spc="-10" dirty="0">
-                <a:latin typeface="Calibri"/>
-                <a:cs typeface="Calibri"/>
-              </a:rPr>
-              <a:t> the </a:t>
-            </a:r>
-            <a:r>
               <a:rPr lang="it-IT" b="1" spc="-10" dirty="0">
                 <a:latin typeface="Calibri"/>
                 <a:cs typeface="Calibri"/>
               </a:rPr>
-              <a:t>stages:</a:t>
+              <a:t> stages:</a:t>
             </a:r>
           </a:p>
           <a:p>
@@ -13736,23 +13163,43 @@
               <a:t>: 1 Audio, 1 Video and 1 VFX (</a:t>
             </a:r>
             <a:r>
-              <a:rPr lang="it-IT" spc="-10" dirty="0" err="1"/>
+              <a:rPr lang="it-IT" spc="-10" dirty="0" err="1">
+                <a:solidFill>
+                  <a:srgbClr val="FF0000"/>
+                </a:solidFill>
+              </a:rPr>
               <a:t>not</a:t>
             </a:r>
             <a:r>
-              <a:rPr lang="it-IT" spc="-10" dirty="0"/>
-              <a:t> </a:t>
-            </a:r>
-            <a:r>
-              <a:rPr lang="it-IT" spc="-10" dirty="0" err="1"/>
+              <a:rPr lang="it-IT" spc="-10" dirty="0">
+                <a:solidFill>
+                  <a:srgbClr val="FF0000"/>
+                </a:solidFill>
+              </a:rPr>
+              <a:t> </a:t>
+            </a:r>
+            <a:r>
+              <a:rPr lang="it-IT" spc="-10" dirty="0" err="1">
+                <a:solidFill>
+                  <a:srgbClr val="FF0000"/>
+                </a:solidFill>
+              </a:rPr>
               <a:t>final</a:t>
             </a:r>
             <a:r>
-              <a:rPr lang="it-IT" spc="-10" dirty="0"/>
-              <a:t> </a:t>
-            </a:r>
-            <a:r>
-              <a:rPr lang="it-IT" spc="-10" dirty="0" err="1"/>
+              <a:rPr lang="it-IT" spc="-10" dirty="0">
+                <a:solidFill>
+                  <a:srgbClr val="FF0000"/>
+                </a:solidFill>
+              </a:rPr>
+              <a:t> </a:t>
+            </a:r>
+            <a:r>
+              <a:rPr lang="it-IT" spc="-10" dirty="0" err="1">
+                <a:solidFill>
+                  <a:srgbClr val="FF0000"/>
+                </a:solidFill>
+              </a:rPr>
               <a:t>result</a:t>
             </a:r>
             <a:r>
@@ -13772,7 +13219,7 @@
         <p:spPr>
           <a:xfrm>
             <a:off x="228600" y="1312663"/>
-            <a:ext cx="7903845" cy="4215898"/>
+            <a:ext cx="7903845" cy="4182555"/>
           </a:xfrm>
           <a:prstGeom prst="rect">
             <a:avLst/>
@@ -13842,165 +13289,144 @@
               <a:t> </a:t>
             </a:r>
             <a:r>
-              <a:rPr sz="1600" dirty="0">
-                <a:latin typeface="Calibri"/>
-                <a:cs typeface="Calibri"/>
-              </a:rPr>
-              <a:t>the</a:t>
-            </a:r>
-            <a:r>
-              <a:rPr sz="1600" spc="-5" dirty="0">
-                <a:latin typeface="Calibri"/>
-                <a:cs typeface="Calibri"/>
-              </a:rPr>
-              <a:t> </a:t>
-            </a:r>
-            <a:r>
-              <a:rPr sz="1600" b="1" spc="-20" dirty="0">
-                <a:latin typeface="Calibri"/>
-                <a:cs typeface="Calibri"/>
-              </a:rPr>
-              <a:t>What-</a:t>
-            </a:r>
-            <a:r>
-              <a:rPr sz="1600" b="1" dirty="0">
-                <a:latin typeface="Calibri"/>
-                <a:cs typeface="Calibri"/>
-              </a:rPr>
-              <a:t>If</a:t>
-            </a:r>
-            <a:r>
-              <a:rPr sz="1600" b="1" spc="-35" dirty="0">
-                <a:latin typeface="Calibri"/>
-                <a:cs typeface="Calibri"/>
-              </a:rPr>
-              <a:t> </a:t>
-            </a:r>
-            <a:r>
-              <a:rPr sz="1600" b="1" dirty="0">
+              <a:rPr sz="1600" dirty="0" err="1">
+                <a:latin typeface="Calibri"/>
+                <a:cs typeface="Calibri"/>
+              </a:rPr>
+              <a:t>th</a:t>
+            </a:r>
+            <a:r>
+              <a:rPr lang="it-IT" sz="1600" dirty="0">
+                <a:latin typeface="Calibri"/>
+                <a:cs typeface="Calibri"/>
+              </a:rPr>
+              <a:t>e </a:t>
+            </a:r>
+            <a:r>
+              <a:rPr lang="it-IT" sz="1600" dirty="0" err="1">
                 <a:latin typeface="Calibri"/>
                 <a:cs typeface="Calibri"/>
               </a:rPr>
               <a:t>analysis</a:t>
             </a:r>
             <a:r>
-              <a:rPr sz="1600" b="1" spc="-50" dirty="0">
-                <a:latin typeface="Calibri"/>
-                <a:cs typeface="Calibri"/>
-              </a:rPr>
-              <a:t> </a:t>
-            </a:r>
-            <a:r>
-              <a:rPr sz="1600" dirty="0">
-                <a:latin typeface="Calibri"/>
-                <a:cs typeface="Calibri"/>
-              </a:rPr>
-              <a:t>based o</a:t>
-            </a:r>
-            <a:r>
               <a:rPr lang="it-IT" sz="1600" dirty="0">
                 <a:latin typeface="Calibri"/>
                 <a:cs typeface="Calibri"/>
               </a:rPr>
-              <a:t>n </a:t>
-            </a:r>
-            <a:r>
-              <a:rPr lang="it-IT" sz="1600" dirty="0" err="1">
-                <a:latin typeface="Calibri"/>
-                <a:cs typeface="Calibri"/>
-              </a:rPr>
-              <a:t>arrival</a:t>
-            </a:r>
-            <a:r>
-              <a:rPr lang="it-IT" sz="1600" dirty="0">
-                <a:latin typeface="Calibri"/>
-                <a:cs typeface="Calibri"/>
-              </a:rPr>
-              <a:t> rate</a:t>
-            </a:r>
-            <a:r>
-              <a:rPr sz="1600" spc="-25" dirty="0">
-                <a:latin typeface="Calibri"/>
-                <a:cs typeface="Calibri"/>
-              </a:rPr>
-              <a:t> </a:t>
+              <a:t> </a:t>
+            </a:r>
+            <a:r>
+              <a:rPr lang="it-IT" sz="1600" spc="-25" dirty="0" err="1">
+                <a:latin typeface="Calibri"/>
+                <a:cs typeface="Calibri"/>
+              </a:rPr>
+              <a:t>considering</a:t>
             </a:r>
             <a:r>
               <a:rPr lang="it-IT" sz="1600" spc="-25" dirty="0">
                 <a:latin typeface="Calibri"/>
                 <a:cs typeface="Calibri"/>
               </a:rPr>
-              <a:t>and </a:t>
+              <a:t> 1 </a:t>
             </a:r>
             <a:r>
               <a:rPr lang="it-IT" sz="1600" spc="-25" dirty="0" err="1">
                 <a:latin typeface="Calibri"/>
                 <a:cs typeface="Calibri"/>
               </a:rPr>
-              <a:t>considering</a:t>
+              <a:t>unit</a:t>
             </a:r>
             <a:r>
               <a:rPr lang="it-IT" sz="1600" spc="-25" dirty="0">
                 <a:latin typeface="Calibri"/>
                 <a:cs typeface="Calibri"/>
               </a:rPr>
-              <a:t> 1 </a:t>
+              <a:t> for audio, 1 for video editing and 1 for VFX. </a:t>
             </a:r>
             <a:r>
               <a:rPr lang="it-IT" sz="1600" spc="-25" dirty="0" err="1">
                 <a:latin typeface="Calibri"/>
                 <a:cs typeface="Calibri"/>
               </a:rPr>
-              <a:t>unit</a:t>
+              <a:t>These</a:t>
             </a:r>
             <a:r>
               <a:rPr lang="it-IT" sz="1600" spc="-25" dirty="0">
                 <a:latin typeface="Calibri"/>
                 <a:cs typeface="Calibri"/>
               </a:rPr>
-              <a:t> for audio and video editing and VFX. </a:t>
+              <a:t> are the </a:t>
             </a:r>
             <a:r>
               <a:rPr lang="it-IT" sz="1600" spc="-25" dirty="0" err="1">
                 <a:latin typeface="Calibri"/>
                 <a:cs typeface="Calibri"/>
               </a:rPr>
-              <a:t>These</a:t>
+              <a:t>results</a:t>
             </a:r>
             <a:r>
               <a:rPr lang="it-IT" sz="1600" spc="-25" dirty="0">
                 <a:latin typeface="Calibri"/>
                 <a:cs typeface="Calibri"/>
               </a:rPr>
-              <a:t> are the </a:t>
+              <a:t> (by setting a </a:t>
             </a:r>
             <a:r>
               <a:rPr lang="it-IT" sz="1600" spc="-25" dirty="0" err="1">
                 <a:latin typeface="Calibri"/>
                 <a:cs typeface="Calibri"/>
               </a:rPr>
-              <a:t>results</a:t>
+              <a:t>deterministic</a:t>
             </a:r>
             <a:r>
               <a:rPr lang="it-IT" sz="1600" spc="-25" dirty="0">
                 <a:latin typeface="Calibri"/>
                 <a:cs typeface="Calibri"/>
               </a:rPr>
-              <a:t> (with </a:t>
+              <a:t> </a:t>
             </a:r>
             <a:r>
               <a:rPr lang="it-IT" sz="1600" spc="-25" dirty="0" err="1">
                 <a:latin typeface="Calibri"/>
                 <a:cs typeface="Calibri"/>
               </a:rPr>
-              <a:t>reponse</a:t>
+              <a:t>distribution</a:t>
             </a:r>
             <a:r>
               <a:rPr lang="it-IT" sz="1600" spc="-25" dirty="0">
                 <a:latin typeface="Calibri"/>
                 <a:cs typeface="Calibri"/>
               </a:rPr>
-              <a:t> time &lt;= 60 days):</a:t>
+              <a:t> with </a:t>
+            </a:r>
+            <a:r>
+              <a:rPr lang="it-IT" sz="1600" spc="-25" dirty="0" err="1">
+                <a:latin typeface="Calibri"/>
+                <a:cs typeface="Calibri"/>
+              </a:rPr>
+              <a:t>mean</a:t>
+            </a:r>
+            <a:r>
+              <a:rPr lang="it-IT" sz="1600" spc="-25" dirty="0">
+                <a:latin typeface="Calibri"/>
+                <a:cs typeface="Calibri"/>
+              </a:rPr>
+              <a:t> </a:t>
+            </a:r>
+            <a:r>
+              <a:rPr lang="it-IT" sz="1600" spc="-25" dirty="0" err="1">
+                <a:latin typeface="Calibri"/>
+                <a:cs typeface="Calibri"/>
+              </a:rPr>
+              <a:t>value</a:t>
+            </a:r>
+            <a:r>
+              <a:rPr lang="it-IT" sz="1600" spc="-25" dirty="0">
+                <a:latin typeface="Calibri"/>
+                <a:cs typeface="Calibri"/>
+              </a:rPr>
+              <a:t> = 14):</a:t>
             </a:r>
           </a:p>
           <a:p>
@@ -14041,11 +13467,18 @@
               </a:spcBef>
             </a:pPr>
             <a:r>
+              <a:rPr lang="it-IT" sz="1600" spc="-25" dirty="0" err="1">
+                <a:latin typeface="Calibri"/>
+                <a:cs typeface="Calibri"/>
+              </a:rPr>
+              <a:t>Average</a:t>
+            </a:r>
+            <a:r>
               <a:rPr lang="it-IT" sz="1600" spc="-25" dirty="0">
                 <a:latin typeface="Calibri"/>
                 <a:cs typeface="Calibri"/>
               </a:rPr>
-              <a:t>Mean N  = 3.85</a:t>
+              <a:t> N  = 4.1551</a:t>
             </a:r>
             <a:br>
               <a:rPr lang="it-IT" sz="1600" spc="-25" dirty="0">
@@ -14054,11 +13487,18 @@
               </a:rPr>
             </a:br>
             <a:r>
+              <a:rPr lang="it-IT" sz="1600" spc="-25" dirty="0" err="1">
+                <a:latin typeface="Calibri"/>
+                <a:cs typeface="Calibri"/>
+              </a:rPr>
+              <a:t>Average</a:t>
+            </a:r>
+            <a:r>
               <a:rPr lang="it-IT" sz="1600" spc="-25" dirty="0">
                 <a:latin typeface="Calibri"/>
                 <a:cs typeface="Calibri"/>
               </a:rPr>
-              <a:t>Mean System Throughput  =  0.070</a:t>
+              <a:t> System Throughput  =  0.0714</a:t>
             </a:r>
           </a:p>
           <a:p>
@@ -14071,11 +13511,18 @@
               </a:spcBef>
             </a:pPr>
             <a:r>
+              <a:rPr lang="it-IT" sz="1600" spc="-25" dirty="0" err="1">
+                <a:latin typeface="Calibri"/>
+                <a:cs typeface="Calibri"/>
+              </a:rPr>
+              <a:t>Average</a:t>
+            </a:r>
+            <a:r>
               <a:rPr lang="it-IT" sz="1600" spc="-25" dirty="0">
                 <a:latin typeface="Calibri"/>
                 <a:cs typeface="Calibri"/>
               </a:rPr>
-              <a:t>Mean System </a:t>
+              <a:t> System </a:t>
             </a:r>
             <a:r>
               <a:rPr lang="it-IT" sz="1600" spc="-25" dirty="0" err="1">
@@ -14089,8 +13536,12 @@
                 <a:latin typeface="Calibri"/>
                 <a:cs typeface="Calibri"/>
               </a:rPr>
-              <a:t> time = 55</a:t>
-            </a:r>
+              <a:t> time = 58.1258</a:t>
+            </a:r>
+            <a:endParaRPr lang="it-IT" sz="1400" spc="-25" dirty="0">
+              <a:latin typeface="Calibri"/>
+              <a:cs typeface="Calibri"/>
+            </a:endParaRPr>
           </a:p>
           <a:p>
             <a:pPr marL="12700">
@@ -14115,10 +13566,20 @@
                 <a:spcPts val="535"/>
               </a:spcBef>
             </a:pPr>
-            <a:endParaRPr lang="it-IT" sz="1400" spc="-25" dirty="0">
-              <a:latin typeface="Calibri"/>
-              <a:cs typeface="Calibri"/>
-            </a:endParaRPr>
+            <a:r>
+              <a:rPr lang="it-IT" sz="1600" b="1" spc="-25" dirty="0" err="1">
+                <a:latin typeface="Calibri"/>
+                <a:cs typeface="Calibri"/>
+              </a:rPr>
+              <a:t>Utilizations</a:t>
+            </a:r>
+            <a:r>
+              <a:rPr lang="it-IT" sz="1600" b="1" spc="-25" dirty="0">
+                <a:latin typeface="Calibri"/>
+                <a:cs typeface="Calibri"/>
+              </a:rPr>
+              <a:t>:</a:t>
+            </a:r>
           </a:p>
           <a:p>
             <a:pPr marL="12700">
@@ -14130,35 +13591,11 @@
               </a:spcBef>
             </a:pPr>
             <a:r>
-              <a:rPr lang="it-IT" sz="1600" b="1" spc="-25" dirty="0" err="1">
-                <a:latin typeface="Calibri"/>
-                <a:cs typeface="Calibri"/>
-              </a:rPr>
-              <a:t>Utilizations</a:t>
-            </a:r>
-            <a:r>
-              <a:rPr lang="it-IT" sz="1600" b="1" spc="-25" dirty="0">
-                <a:latin typeface="Calibri"/>
-                <a:cs typeface="Calibri"/>
-              </a:rPr>
-              <a:t>:</a:t>
-            </a:r>
-          </a:p>
-          <a:p>
-            <a:pPr marL="12700">
-              <a:lnSpc>
-                <a:spcPct val="100000"/>
-              </a:lnSpc>
-              <a:spcBef>
-                <a:spcPts val="535"/>
-              </a:spcBef>
-            </a:pPr>
-            <a:r>
               <a:rPr lang="it-IT" sz="1600" spc="-25" dirty="0">
                 <a:latin typeface="Calibri"/>
                 <a:cs typeface="Calibri"/>
               </a:rPr>
-              <a:t>Audio = 0.5203, Video = 0.5511, VFX = 0.6920</a:t>
+              <a:t>Audio = 0.5347, Video = 0.5849, VFX = 0.7070</a:t>
             </a:r>
             <a:br>
               <a:rPr lang="it-IT" sz="1600" spc="-25" dirty="0">
@@ -14225,49 +13662,35 @@
                 <a:latin typeface="Calibri"/>
                 <a:cs typeface="Calibri"/>
               </a:rPr>
-              <a:t>, the </a:t>
+              <a:t>, </a:t>
             </a:r>
             <a:r>
               <a:rPr lang="it-IT" sz="1600" b="1" spc="-25" dirty="0" err="1">
                 <a:latin typeface="Calibri"/>
                 <a:cs typeface="Calibri"/>
               </a:rPr>
-              <a:t>bottleneck</a:t>
+              <a:t>bottlenecks</a:t>
             </a:r>
             <a:r>
               <a:rPr lang="it-IT" sz="1600" spc="-25" dirty="0">
                 <a:latin typeface="Calibri"/>
                 <a:cs typeface="Calibri"/>
               </a:rPr>
-              <a:t> </a:t>
-            </a:r>
-            <a:r>
-              <a:rPr lang="it-IT" sz="1600" spc="-25" dirty="0" err="1">
-                <a:latin typeface="Calibri"/>
-                <a:cs typeface="Calibri"/>
-              </a:rPr>
-              <a:t>is</a:t>
+              <a:t> are VFX and Video Editing =&gt; I decide to set 2 servers for </a:t>
+            </a:r>
+            <a:r>
+              <a:rPr lang="it-IT" sz="1600" b="1" spc="-25" dirty="0" err="1">
+                <a:latin typeface="Calibri"/>
+                <a:cs typeface="Calibri"/>
+              </a:rPr>
+              <a:t>these</a:t>
             </a:r>
             <a:r>
               <a:rPr lang="it-IT" sz="1600" spc="-25" dirty="0">
                 <a:latin typeface="Calibri"/>
                 <a:cs typeface="Calibri"/>
               </a:rPr>
-              <a:t> VFX =&gt; I decide to set 2 servers for </a:t>
-            </a:r>
-            <a:r>
-              <a:rPr lang="it-IT" sz="1600" b="1" spc="-25" dirty="0" err="1">
-                <a:latin typeface="Calibri"/>
-                <a:cs typeface="Calibri"/>
-              </a:rPr>
-              <a:t>this</a:t>
-            </a:r>
-            <a:r>
-              <a:rPr lang="it-IT" sz="1600" spc="-25" dirty="0">
-                <a:latin typeface="Calibri"/>
-                <a:cs typeface="Calibri"/>
-              </a:rPr>
-              <a:t> station</a:t>
+              <a:t> stations</a:t>
             </a:r>
           </a:p>
         </p:txBody>
@@ -14497,26 +13920,30 @@
             </a:r>
             <a:r>
               <a:rPr lang="it-IT" spc="-10" dirty="0"/>
-              <a:t>: 1 Audio, 1 Video and 2 VFX (</a:t>
-            </a:r>
-            <a:r>
-              <a:rPr lang="it-IT" spc="-10" dirty="0" err="1"/>
-              <a:t>not</a:t>
-            </a:r>
-            <a:r>
-              <a:rPr lang="it-IT" spc="-10" dirty="0"/>
-              <a:t> </a:t>
-            </a:r>
-            <a:r>
-              <a:rPr lang="it-IT" spc="-10" dirty="0" err="1"/>
+              <a:t>: 1 Audio, 2 Video and 2 VFX (</a:t>
+            </a:r>
+            <a:r>
+              <a:rPr lang="it-IT" spc="-10" dirty="0" err="1">
+                <a:solidFill>
+                  <a:srgbClr val="FF0000"/>
+                </a:solidFill>
+              </a:rPr>
               <a:t>final</a:t>
             </a:r>
             <a:r>
-              <a:rPr lang="it-IT" spc="-10" dirty="0"/>
-              <a:t> </a:t>
-            </a:r>
-            <a:r>
-              <a:rPr lang="it-IT" spc="-10" dirty="0" err="1"/>
+              <a:rPr lang="it-IT" spc="-10" dirty="0">
+                <a:solidFill>
+                  <a:srgbClr val="FF0000"/>
+                </a:solidFill>
+              </a:rPr>
+              <a:t> </a:t>
+            </a:r>
+            <a:r>
+              <a:rPr lang="it-IT" spc="-10" dirty="0" err="1">
+                <a:solidFill>
+                  <a:srgbClr val="FF0000"/>
+                </a:solidFill>
+              </a:rPr>
               <a:t>result</a:t>
             </a:r>
             <a:r>
@@ -14536,7 +13963,7 @@
         <p:spPr>
           <a:xfrm>
             <a:off x="228600" y="1312663"/>
-            <a:ext cx="7903845" cy="4462119"/>
+            <a:ext cx="7903845" cy="1181734"/>
           </a:xfrm>
           <a:prstGeom prst="rect">
             <a:avLst/>
@@ -14603,77 +14030,14 @@
                 <a:latin typeface="Calibri"/>
                 <a:cs typeface="Calibri"/>
               </a:rPr>
-              <a:t>the</a:t>
-            </a:r>
-            <a:r>
-              <a:rPr lang="en-US" sz="1600" spc="-5" dirty="0">
-                <a:latin typeface="Calibri"/>
-                <a:cs typeface="Calibri"/>
-              </a:rPr>
-              <a:t> </a:t>
-            </a:r>
-            <a:r>
-              <a:rPr lang="en-US" sz="1600" b="1" spc="-20" dirty="0">
-                <a:latin typeface="Calibri"/>
-                <a:cs typeface="Calibri"/>
-              </a:rPr>
-              <a:t>What-</a:t>
-            </a:r>
-            <a:r>
-              <a:rPr lang="en-US" sz="1600" b="1" dirty="0">
-                <a:latin typeface="Calibri"/>
-                <a:cs typeface="Calibri"/>
-              </a:rPr>
-              <a:t>If</a:t>
-            </a:r>
-            <a:r>
-              <a:rPr lang="en-US" sz="1600" b="1" spc="-35" dirty="0">
-                <a:latin typeface="Calibri"/>
-                <a:cs typeface="Calibri"/>
-              </a:rPr>
-              <a:t> </a:t>
-            </a:r>
-            <a:r>
-              <a:rPr lang="en-US" sz="1600" b="1" dirty="0">
-                <a:latin typeface="Calibri"/>
-                <a:cs typeface="Calibri"/>
-              </a:rPr>
-              <a:t>analysis</a:t>
-            </a:r>
-            <a:r>
-              <a:rPr lang="en-US" sz="1600" b="1" spc="-50" dirty="0">
-                <a:latin typeface="Calibri"/>
-                <a:cs typeface="Calibri"/>
-              </a:rPr>
-              <a:t> </a:t>
-            </a:r>
-            <a:r>
-              <a:rPr lang="en-US" sz="1600" dirty="0">
-                <a:latin typeface="Calibri"/>
-                <a:cs typeface="Calibri"/>
-              </a:rPr>
-              <a:t>based on arrival rate</a:t>
+              <a:t>the analysis </a:t>
             </a:r>
             <a:r>
               <a:rPr lang="en-US" sz="1600" spc="-25" dirty="0">
                 <a:latin typeface="Calibri"/>
                 <a:cs typeface="Calibri"/>
               </a:rPr>
-              <a:t> and considering 1 unit for audio and video editing and 2 for VFX. These are the results (with </a:t>
-            </a:r>
-            <a:r>
-              <a:rPr lang="en-US" sz="1600" spc="-25" dirty="0" err="1">
-                <a:latin typeface="Calibri"/>
-                <a:cs typeface="Calibri"/>
-              </a:rPr>
-              <a:t>reponse</a:t>
-            </a:r>
-            <a:r>
-              <a:rPr lang="en-US" sz="1600" spc="-25" dirty="0">
-                <a:latin typeface="Calibri"/>
-                <a:cs typeface="Calibri"/>
-              </a:rPr>
-              <a:t> time &lt;= 60 days):</a:t>
+              <a:t>considering 1 unit for audio, 2 for video editing and 2 for VFX. These are the results (by setting a deterministic distribution with mean value = 9.3):</a:t>
             </a:r>
           </a:p>
           <a:p>
@@ -14685,7 +14049,7 @@
                 <a:spcPts val="535"/>
               </a:spcBef>
             </a:pPr>
-            <a:endParaRPr lang="en-US" sz="1400" spc="-25" dirty="0">
+            <a:endParaRPr lang="en-US" sz="1600" spc="-25" dirty="0">
               <a:latin typeface="Calibri"/>
               <a:cs typeface="Calibri"/>
             </a:endParaRPr>
@@ -14699,172 +14063,44 @@
                 <a:spcPts val="535"/>
               </a:spcBef>
             </a:pPr>
-            <a:endParaRPr lang="en-US" sz="1400" spc="-25" dirty="0">
+            <a:r>
+              <a:rPr lang="it-IT" sz="1600" b="1" spc="-25" dirty="0">
+                <a:latin typeface="Calibri"/>
+                <a:cs typeface="Calibri"/>
+              </a:rPr>
+              <a:t>System </a:t>
+            </a:r>
+            <a:r>
+              <a:rPr lang="it-IT" sz="1600" b="1" spc="-25" dirty="0" err="1">
+                <a:latin typeface="Calibri"/>
+                <a:cs typeface="Calibri"/>
+              </a:rPr>
+              <a:t>Response</a:t>
+            </a:r>
+            <a:r>
+              <a:rPr lang="it-IT" sz="1600" b="1" spc="-25" dirty="0">
+                <a:latin typeface="Calibri"/>
+                <a:cs typeface="Calibri"/>
+              </a:rPr>
+              <a:t> Time (R): </a:t>
+            </a:r>
+            <a:r>
+              <a:rPr lang="it-IT" sz="1600" b="1" spc="-25" dirty="0">
+                <a:solidFill>
+                  <a:srgbClr val="FF0000"/>
+                </a:solidFill>
+                <a:latin typeface="Calibri"/>
+                <a:cs typeface="Calibri"/>
+              </a:rPr>
+              <a:t>57.1441</a:t>
+            </a:r>
+            <a:endParaRPr sz="1600" b="1" dirty="0">
+              <a:solidFill>
+                <a:srgbClr val="FF0000"/>
+              </a:solidFill>
               <a:latin typeface="Calibri"/>
               <a:cs typeface="Calibri"/>
             </a:endParaRPr>
-          </a:p>
-          <a:p>
-            <a:pPr marL="12700">
-              <a:lnSpc>
-                <a:spcPct val="100000"/>
-              </a:lnSpc>
-              <a:spcBef>
-                <a:spcPts val="535"/>
-              </a:spcBef>
-            </a:pPr>
-            <a:r>
-              <a:rPr lang="en-US" sz="1600" spc="-25" dirty="0">
-                <a:latin typeface="Calibri"/>
-                <a:cs typeface="Calibri"/>
-              </a:rPr>
-              <a:t>Mean N  = 5.2356</a:t>
-            </a:r>
-            <a:br>
-              <a:rPr lang="en-US" sz="1600" spc="-25" dirty="0">
-                <a:latin typeface="Calibri"/>
-                <a:cs typeface="Calibri"/>
-              </a:rPr>
-            </a:br>
-            <a:r>
-              <a:rPr lang="en-US" sz="1600" spc="-25" dirty="0">
-                <a:latin typeface="Calibri"/>
-                <a:cs typeface="Calibri"/>
-              </a:rPr>
-              <a:t>Mean System Throughput  =  0.0906</a:t>
-            </a:r>
-          </a:p>
-          <a:p>
-            <a:pPr marL="12700">
-              <a:lnSpc>
-                <a:spcPct val="100000"/>
-              </a:lnSpc>
-              <a:spcBef>
-                <a:spcPts val="535"/>
-              </a:spcBef>
-            </a:pPr>
-            <a:r>
-              <a:rPr lang="en-US" sz="1600" spc="-25" dirty="0">
-                <a:latin typeface="Calibri"/>
-                <a:cs typeface="Calibri"/>
-              </a:rPr>
-              <a:t>Mean System Response time = 57,36</a:t>
-            </a:r>
-          </a:p>
-          <a:p>
-            <a:pPr marL="12700">
-              <a:lnSpc>
-                <a:spcPct val="100000"/>
-              </a:lnSpc>
-              <a:spcBef>
-                <a:spcPts val="535"/>
-              </a:spcBef>
-            </a:pPr>
-            <a:endParaRPr lang="en-US" sz="1400" spc="-25" dirty="0">
-              <a:latin typeface="Calibri"/>
-              <a:cs typeface="Calibri"/>
-            </a:endParaRPr>
-          </a:p>
-          <a:p>
-            <a:pPr marL="12700">
-              <a:lnSpc>
-                <a:spcPct val="100000"/>
-              </a:lnSpc>
-              <a:spcBef>
-                <a:spcPts val="535"/>
-              </a:spcBef>
-            </a:pPr>
-            <a:endParaRPr lang="en-US" sz="1400" spc="-25" dirty="0">
-              <a:latin typeface="Calibri"/>
-              <a:cs typeface="Calibri"/>
-            </a:endParaRPr>
-          </a:p>
-          <a:p>
-            <a:pPr marL="12700">
-              <a:lnSpc>
-                <a:spcPct val="100000"/>
-              </a:lnSpc>
-              <a:spcBef>
-                <a:spcPts val="535"/>
-              </a:spcBef>
-            </a:pPr>
-            <a:r>
-              <a:rPr lang="en-US" sz="1600" b="1" spc="-25" dirty="0">
-                <a:latin typeface="Calibri"/>
-                <a:cs typeface="Calibri"/>
-              </a:rPr>
-              <a:t>Utilizations:</a:t>
-            </a:r>
-          </a:p>
-          <a:p>
-            <a:pPr marL="12700">
-              <a:lnSpc>
-                <a:spcPct val="100000"/>
-              </a:lnSpc>
-              <a:spcBef>
-                <a:spcPts val="535"/>
-              </a:spcBef>
-            </a:pPr>
-            <a:r>
-              <a:rPr lang="en-US" sz="1600" spc="-25" dirty="0">
-                <a:latin typeface="Calibri"/>
-                <a:cs typeface="Calibri"/>
-              </a:rPr>
-              <a:t>Audio = 0.6868, Video = 0.7353, VFX = 0.4573</a:t>
-            </a:r>
-            <a:br>
-              <a:rPr lang="en-US" sz="1600" spc="-25" dirty="0">
-                <a:latin typeface="Calibri"/>
-                <a:cs typeface="Calibri"/>
-              </a:rPr>
-            </a:br>
-            <a:endParaRPr lang="en-US" sz="1600" spc="-25" dirty="0">
-              <a:latin typeface="Calibri"/>
-              <a:cs typeface="Calibri"/>
-            </a:endParaRPr>
-          </a:p>
-          <a:p>
-            <a:pPr marL="12700">
-              <a:lnSpc>
-                <a:spcPct val="100000"/>
-              </a:lnSpc>
-              <a:spcBef>
-                <a:spcPts val="535"/>
-              </a:spcBef>
-            </a:pPr>
-            <a:br>
-              <a:rPr lang="en-US" sz="1600" spc="-25" dirty="0">
-                <a:latin typeface="Calibri"/>
-                <a:cs typeface="Calibri"/>
-              </a:rPr>
-            </a:br>
-            <a:br>
-              <a:rPr lang="en-US" sz="1600" spc="-25" dirty="0">
-                <a:latin typeface="Calibri"/>
-                <a:cs typeface="Calibri"/>
-              </a:rPr>
-            </a:br>
-            <a:r>
-              <a:rPr lang="en-US" sz="1600" spc="-25" dirty="0">
-                <a:latin typeface="Calibri"/>
-                <a:cs typeface="Calibri"/>
-              </a:rPr>
-              <a:t>So, in this configuration, the bottleneck is Video Editing =&gt; I decide to set 2 servers also for </a:t>
-            </a:r>
-            <a:r>
-              <a:rPr lang="en-US" sz="1600" b="1" spc="-25" dirty="0">
-                <a:latin typeface="Calibri"/>
-                <a:cs typeface="Calibri"/>
-              </a:rPr>
-              <a:t>this</a:t>
-            </a:r>
-            <a:r>
-              <a:rPr lang="en-US" sz="1600" spc="-25" dirty="0">
-                <a:latin typeface="Calibri"/>
-                <a:cs typeface="Calibri"/>
-              </a:rPr>
-              <a:t> station</a:t>
-            </a:r>
           </a:p>
         </p:txBody>
       </p:sp>
@@ -14987,10 +14223,147 @@
       </p:grpSp>
       <p:sp>
         <p:nvSpPr>
-          <p:cNvPr id="11" name="object 10">
+          <p:cNvPr id="13" name="object 3">
             <a:extLst>
               <a:ext uri="{FF2B5EF4-FFF2-40B4-BE49-F238E27FC236}">
-                <a16:creationId xmlns:a16="http://schemas.microsoft.com/office/drawing/2014/main" id="{A6F289E9-3959-0795-1975-DA86A3CACA1A}"/>
+                <a16:creationId xmlns:a16="http://schemas.microsoft.com/office/drawing/2014/main" id="{782BBF76-C121-F516-BEDE-6BB9F121C061}"/>
+              </a:ext>
+            </a:extLst>
+          </p:cNvPr>
+          <p:cNvSpPr txBox="1"/>
+          <p:nvPr/>
+        </p:nvSpPr>
+        <p:spPr>
+          <a:xfrm>
+            <a:off x="228598" y="2808363"/>
+            <a:ext cx="7903845" cy="314830"/>
+          </a:xfrm>
+          <a:prstGeom prst="rect">
+            <a:avLst/>
+          </a:prstGeom>
+        </p:spPr>
+        <p:txBody>
+          <a:bodyPr vert="horz" wrap="square" lIns="0" tIns="67945" rIns="0" bIns="0" rtlCol="0">
+            <a:spAutoFit/>
+          </a:bodyPr>
+          <a:lstStyle/>
+          <a:p>
+            <a:pPr marL="12700">
+              <a:lnSpc>
+                <a:spcPct val="100000"/>
+              </a:lnSpc>
+              <a:spcBef>
+                <a:spcPts val="535"/>
+              </a:spcBef>
+            </a:pPr>
+            <a:r>
+              <a:rPr lang="it-IT" sz="1600" b="1" spc="-25" dirty="0">
+                <a:latin typeface="Calibri"/>
+                <a:cs typeface="Calibri"/>
+              </a:rPr>
+              <a:t>System Throughput (X): </a:t>
+            </a:r>
+            <a:r>
+              <a:rPr lang="it-IT" sz="1600" b="1" spc="-25" dirty="0">
+                <a:solidFill>
+                  <a:srgbClr val="FF0000"/>
+                </a:solidFill>
+                <a:latin typeface="Calibri"/>
+                <a:cs typeface="Calibri"/>
+              </a:rPr>
+              <a:t>0.1075</a:t>
+            </a:r>
+            <a:endParaRPr sz="1600" b="1" dirty="0">
+              <a:solidFill>
+                <a:srgbClr val="FF0000"/>
+              </a:solidFill>
+              <a:latin typeface="Calibri"/>
+              <a:cs typeface="Calibri"/>
+            </a:endParaRPr>
+          </a:p>
+        </p:txBody>
+      </p:sp>
+      <p:sp>
+        <p:nvSpPr>
+          <p:cNvPr id="18" name="object 3">
+            <a:extLst>
+              <a:ext uri="{FF2B5EF4-FFF2-40B4-BE49-F238E27FC236}">
+                <a16:creationId xmlns:a16="http://schemas.microsoft.com/office/drawing/2014/main" id="{B2ABE613-F73F-858C-CBE3-7FFCD888BA6B}"/>
+              </a:ext>
+            </a:extLst>
+          </p:cNvPr>
+          <p:cNvSpPr txBox="1"/>
+          <p:nvPr/>
+        </p:nvSpPr>
+        <p:spPr>
+          <a:xfrm>
+            <a:off x="228598" y="3413834"/>
+            <a:ext cx="7903845" cy="314830"/>
+          </a:xfrm>
+          <a:prstGeom prst="rect">
+            <a:avLst/>
+          </a:prstGeom>
+        </p:spPr>
+        <p:txBody>
+          <a:bodyPr vert="horz" wrap="square" lIns="0" tIns="67945" rIns="0" bIns="0" rtlCol="0">
+            <a:spAutoFit/>
+          </a:bodyPr>
+          <a:lstStyle/>
+          <a:p>
+            <a:pPr marL="12700">
+              <a:lnSpc>
+                <a:spcPct val="100000"/>
+              </a:lnSpc>
+              <a:spcBef>
+                <a:spcPts val="535"/>
+              </a:spcBef>
+            </a:pPr>
+            <a:r>
+              <a:rPr lang="it-IT" sz="1600" b="1" dirty="0" err="1">
+                <a:solidFill>
+                  <a:schemeClr val="tx1"/>
+                </a:solidFill>
+                <a:latin typeface="Calibri"/>
+                <a:cs typeface="Calibri"/>
+              </a:rPr>
+              <a:t>Number</a:t>
+            </a:r>
+            <a:r>
+              <a:rPr lang="it-IT" sz="1600" b="1" dirty="0">
+                <a:solidFill>
+                  <a:schemeClr val="tx1"/>
+                </a:solidFill>
+                <a:latin typeface="Calibri"/>
+                <a:cs typeface="Calibri"/>
+              </a:rPr>
+              <a:t> of Customers (N): </a:t>
+            </a:r>
+            <a:r>
+              <a:rPr lang="it-IT" sz="1600" b="1" dirty="0">
+                <a:solidFill>
+                  <a:srgbClr val="FF0000"/>
+                </a:solidFill>
+                <a:latin typeface="Calibri"/>
+                <a:cs typeface="Calibri"/>
+              </a:rPr>
+              <a:t>6.1337</a:t>
+            </a:r>
+            <a:endParaRPr sz="1600" b="1" dirty="0">
+              <a:solidFill>
+                <a:srgbClr val="FF0000"/>
+              </a:solidFill>
+              <a:latin typeface="Calibri"/>
+              <a:cs typeface="Calibri"/>
+            </a:endParaRPr>
+          </a:p>
+        </p:txBody>
+      </p:sp>
+      <p:sp>
+        <p:nvSpPr>
+          <p:cNvPr id="14" name="object 10">
+            <a:extLst>
+              <a:ext uri="{FF2B5EF4-FFF2-40B4-BE49-F238E27FC236}">
+                <a16:creationId xmlns:a16="http://schemas.microsoft.com/office/drawing/2014/main" id="{6CEE061F-4BCA-D1D0-2D8E-55E2B3C183F4}"/>
               </a:ext>
             </a:extLst>
           </p:cNvPr>
@@ -15029,10 +14402,93 @@
           </a:p>
         </p:txBody>
       </p:sp>
+      <p:sp>
+        <p:nvSpPr>
+          <p:cNvPr id="7" name="TextBox 6">
+            <a:extLst>
+              <a:ext uri="{FF2B5EF4-FFF2-40B4-BE49-F238E27FC236}">
+                <a16:creationId xmlns:a16="http://schemas.microsoft.com/office/drawing/2014/main" id="{0A826C52-FD24-EB57-9D32-C6B116AF8A98}"/>
+              </a:ext>
+            </a:extLst>
+          </p:cNvPr>
+          <p:cNvSpPr txBox="1"/>
+          <p:nvPr/>
+        </p:nvSpPr>
+        <p:spPr>
+          <a:xfrm>
+            <a:off x="76200" y="4104431"/>
+            <a:ext cx="8329523" cy="1785104"/>
+          </a:xfrm>
+          <a:prstGeom prst="rect">
+            <a:avLst/>
+          </a:prstGeom>
+          <a:noFill/>
+        </p:spPr>
+        <p:txBody>
+          <a:bodyPr wrap="square" rtlCol="0">
+            <a:spAutoFit/>
+          </a:bodyPr>
+          <a:lstStyle/>
+          <a:p>
+            <a:r>
+              <a:rPr lang="en-US" sz="1800" dirty="0">
+                <a:latin typeface="Calibri"/>
+                <a:cs typeface="Calibri"/>
+              </a:rPr>
+              <a:t>So, considering a response time &lt;= 60 days we can have about N = 6.1337 with a mean throughput value = 0.1075 (about 1 episode every 9.3 days)</a:t>
+            </a:r>
+            <a:br>
+              <a:rPr lang="en-US" sz="2000" dirty="0">
+                <a:latin typeface="Calibri"/>
+                <a:cs typeface="Calibri"/>
+              </a:rPr>
+            </a:br>
+            <a:br>
+              <a:rPr lang="en-US" sz="2000" dirty="0">
+                <a:latin typeface="Calibri"/>
+                <a:cs typeface="Calibri"/>
+              </a:rPr>
+            </a:br>
+            <a:r>
+              <a:rPr lang="en-US" sz="1800" dirty="0">
+                <a:solidFill>
+                  <a:srgbClr val="FF0000"/>
+                </a:solidFill>
+                <a:latin typeface="Calibri"/>
+                <a:cs typeface="Calibri"/>
+              </a:rPr>
+              <a:t>I discovered that this is the configuration (2 units for video editing and 2 for </a:t>
+            </a:r>
+            <a:r>
+              <a:rPr lang="en-US" sz="1800" dirty="0" err="1">
+                <a:solidFill>
+                  <a:srgbClr val="FF0000"/>
+                </a:solidFill>
+                <a:latin typeface="Calibri"/>
+                <a:cs typeface="Calibri"/>
+              </a:rPr>
+              <a:t>vfx</a:t>
+            </a:r>
+            <a:r>
+              <a:rPr lang="en-US" sz="1800" dirty="0">
+                <a:solidFill>
+                  <a:srgbClr val="FF0000"/>
+                </a:solidFill>
+                <a:latin typeface="Calibri"/>
+                <a:cs typeface="Calibri"/>
+              </a:rPr>
+              <a:t>) to obtain the best throughput considering a production time &lt;= 60 days.</a:t>
+            </a:r>
+          </a:p>
+          <a:p>
+            <a:endParaRPr lang="it-IT" dirty="0"/>
+          </a:p>
+        </p:txBody>
+      </p:sp>
     </p:spTree>
     <p:extLst>
       <p:ext uri="{BB962C8B-B14F-4D97-AF65-F5344CB8AC3E}">
-        <p14:creationId xmlns:p14="http://schemas.microsoft.com/office/powerpoint/2010/main" val="2672975093"/>
+        <p14:creationId xmlns:p14="http://schemas.microsoft.com/office/powerpoint/2010/main" val="2485891077"/>
       </p:ext>
     </p:extLst>
   </p:cSld>
@@ -15042,7 +14498,7 @@
 </p:sld>
 </file>
 
-<file path=ppt/slides/slide16.xml><?xml version="1.0" encoding="utf-8"?>
+<file path=ppt/slides/slide2.xml><?xml version="1.0" encoding="utf-8"?>
 <p:sld xmlns:a="http://schemas.openxmlformats.org/drawingml/2006/main" xmlns:r="http://schemas.openxmlformats.org/officeDocument/2006/relationships" xmlns:p="http://schemas.openxmlformats.org/presentationml/2006/main">
   <p:cSld>
     <p:spTree>
@@ -15070,10 +14526,6 @@
           </p:nvPr>
         </p:nvSpPr>
         <p:spPr>
-          <a:xfrm>
-            <a:off x="367385" y="162890"/>
-            <a:ext cx="7633615" cy="352661"/>
-          </a:xfrm>
           <a:prstGeom prst="rect">
             <a:avLst/>
           </a:prstGeom>
@@ -15093,28 +14545,8 @@
               </a:spcBef>
             </a:pPr>
             <a:r>
-              <a:rPr lang="it-IT" spc="-10" dirty="0" err="1"/>
-              <a:t>Results</a:t>
-            </a:r>
-            <a:r>
-              <a:rPr lang="it-IT" spc="-10" dirty="0"/>
-              <a:t>: 1 Audio, 2 Video and 2 VFX (</a:t>
-            </a:r>
-            <a:r>
-              <a:rPr lang="it-IT" spc="-10" dirty="0" err="1"/>
-              <a:t>final</a:t>
-            </a:r>
-            <a:r>
-              <a:rPr lang="it-IT" spc="-10" dirty="0"/>
-              <a:t> </a:t>
-            </a:r>
-            <a:r>
-              <a:rPr lang="it-IT" spc="-10" dirty="0" err="1"/>
-              <a:t>result</a:t>
-            </a:r>
-            <a:r>
-              <a:rPr lang="it-IT" spc="-10" dirty="0"/>
-              <a:t>)</a:t>
+              <a:rPr lang="it-IT" dirty="0"/>
+              <a:t>Presentation</a:t>
             </a:r>
             <a:endParaRPr spc="-10" dirty="0"/>
           </a:p>
@@ -15128,8 +14560,8 @@
         </p:nvSpPr>
         <p:spPr>
           <a:xfrm>
-            <a:off x="228600" y="1312663"/>
-            <a:ext cx="7903845" cy="871392"/>
+            <a:off x="278688" y="1672272"/>
+            <a:ext cx="8578215" cy="376385"/>
           </a:xfrm>
           <a:prstGeom prst="rect">
             <a:avLst/>
@@ -15150,254 +14582,333 @@
               </a:spcBef>
             </a:pPr>
             <a:r>
-              <a:rPr lang="it-IT" sz="1600" spc="-5" dirty="0" err="1">
-                <a:latin typeface="Calibri"/>
-                <a:cs typeface="Calibri"/>
-              </a:rPr>
-              <a:t>Now</a:t>
-            </a:r>
-            <a:r>
-              <a:rPr lang="it-IT" sz="1600" spc="-5" dirty="0">
-                <a:latin typeface="Calibri"/>
-                <a:cs typeface="Calibri"/>
-              </a:rPr>
-              <a:t> </a:t>
-            </a:r>
-            <a:r>
-              <a:rPr sz="1600" dirty="0">
-                <a:latin typeface="Calibri"/>
-                <a:cs typeface="Calibri"/>
-              </a:rPr>
-              <a:t>I</a:t>
-            </a:r>
-            <a:r>
-              <a:rPr sz="1600" spc="-35" dirty="0">
-                <a:latin typeface="Calibri"/>
-                <a:cs typeface="Calibri"/>
-              </a:rPr>
-              <a:t> </a:t>
-            </a:r>
-            <a:r>
-              <a:rPr sz="1600" dirty="0">
-                <a:latin typeface="Calibri"/>
-                <a:cs typeface="Calibri"/>
-              </a:rPr>
-              <a:t>performed</a:t>
-            </a:r>
-            <a:r>
-              <a:rPr sz="1600" spc="15" dirty="0">
-                <a:latin typeface="Calibri"/>
-                <a:cs typeface="Calibri"/>
-              </a:rPr>
-              <a:t> </a:t>
-            </a:r>
-            <a:r>
-              <a:rPr sz="1600" dirty="0">
-                <a:latin typeface="Calibri"/>
-                <a:cs typeface="Calibri"/>
-              </a:rPr>
-              <a:t>the</a:t>
-            </a:r>
-            <a:r>
-              <a:rPr sz="1600" spc="-5" dirty="0">
-                <a:latin typeface="Calibri"/>
-                <a:cs typeface="Calibri"/>
-              </a:rPr>
-              <a:t> </a:t>
-            </a:r>
-            <a:r>
-              <a:rPr sz="1600" b="1" spc="-20" dirty="0">
-                <a:latin typeface="Calibri"/>
-                <a:cs typeface="Calibri"/>
-              </a:rPr>
-              <a:t>What-</a:t>
-            </a:r>
-            <a:r>
-              <a:rPr sz="1600" b="1" dirty="0">
-                <a:latin typeface="Calibri"/>
-                <a:cs typeface="Calibri"/>
-              </a:rPr>
-              <a:t>If</a:t>
-            </a:r>
-            <a:r>
-              <a:rPr sz="1600" b="1" spc="-35" dirty="0">
-                <a:latin typeface="Calibri"/>
-                <a:cs typeface="Calibri"/>
-              </a:rPr>
-              <a:t> </a:t>
-            </a:r>
-            <a:r>
-              <a:rPr sz="1600" b="1" dirty="0">
-                <a:latin typeface="Calibri"/>
-                <a:cs typeface="Calibri"/>
-              </a:rPr>
-              <a:t>analysis</a:t>
-            </a:r>
-            <a:r>
-              <a:rPr sz="1600" b="1" spc="-50" dirty="0">
-                <a:latin typeface="Calibri"/>
-                <a:cs typeface="Calibri"/>
-              </a:rPr>
-              <a:t> </a:t>
-            </a:r>
-            <a:r>
-              <a:rPr sz="1600" dirty="0">
-                <a:latin typeface="Calibri"/>
-                <a:cs typeface="Calibri"/>
-              </a:rPr>
-              <a:t>based on</a:t>
-            </a:r>
-            <a:r>
-              <a:rPr sz="1600" spc="-20" dirty="0">
-                <a:latin typeface="Calibri"/>
-                <a:cs typeface="Calibri"/>
-              </a:rPr>
-              <a:t> </a:t>
-            </a:r>
-            <a:r>
-              <a:rPr lang="it-IT" sz="1600" dirty="0" err="1">
-                <a:latin typeface="Calibri"/>
-                <a:cs typeface="Calibri"/>
-              </a:rPr>
-              <a:t>arrival</a:t>
-            </a:r>
-            <a:r>
-              <a:rPr lang="it-IT" sz="1600" dirty="0">
-                <a:latin typeface="Calibri"/>
-                <a:cs typeface="Calibri"/>
-              </a:rPr>
-              <a:t> rate</a:t>
-            </a:r>
-            <a:r>
-              <a:rPr sz="1600" spc="-25" dirty="0">
-                <a:latin typeface="Calibri"/>
-                <a:cs typeface="Calibri"/>
-              </a:rPr>
-              <a:t> </a:t>
-            </a:r>
-            <a:r>
-              <a:rPr lang="it-IT" sz="1600" spc="-25" dirty="0">
-                <a:latin typeface="Calibri"/>
-                <a:cs typeface="Calibri"/>
-              </a:rPr>
-              <a:t>and </a:t>
-            </a:r>
-            <a:r>
-              <a:rPr lang="it-IT" sz="1600" spc="-25" dirty="0" err="1">
-                <a:latin typeface="Calibri"/>
-                <a:cs typeface="Calibri"/>
-              </a:rPr>
-              <a:t>considering</a:t>
-            </a:r>
-            <a:r>
-              <a:rPr lang="it-IT" sz="1600" spc="-25" dirty="0">
-                <a:latin typeface="Calibri"/>
-                <a:cs typeface="Calibri"/>
-              </a:rPr>
-              <a:t> 1 </a:t>
-            </a:r>
-            <a:r>
-              <a:rPr lang="it-IT" sz="1600" spc="-25" dirty="0" err="1">
-                <a:latin typeface="Calibri"/>
-                <a:cs typeface="Calibri"/>
-              </a:rPr>
-              <a:t>unit</a:t>
-            </a:r>
-            <a:r>
-              <a:rPr lang="it-IT" sz="1600" spc="-25" dirty="0">
-                <a:latin typeface="Calibri"/>
-                <a:cs typeface="Calibri"/>
-              </a:rPr>
-              <a:t> for audio, 2 video editing and 2 VFX (</a:t>
-            </a:r>
-            <a:r>
-              <a:rPr lang="it-IT" sz="1600" spc="-25" dirty="0" err="1">
-                <a:latin typeface="Calibri"/>
-                <a:cs typeface="Calibri"/>
-              </a:rPr>
-              <a:t>selecting</a:t>
-            </a:r>
-            <a:r>
-              <a:rPr lang="it-IT" sz="1600" spc="-25" dirty="0">
-                <a:latin typeface="Calibri"/>
-                <a:cs typeface="Calibri"/>
-              </a:rPr>
-              <a:t> 2 servers in the </a:t>
-            </a:r>
-            <a:r>
-              <a:rPr lang="it-IT" sz="1600" spc="-25" dirty="0" err="1">
-                <a:latin typeface="Calibri"/>
-                <a:cs typeface="Calibri"/>
-              </a:rPr>
-              <a:t>configuration</a:t>
-            </a:r>
-            <a:r>
-              <a:rPr lang="it-IT" sz="1600" spc="-25" dirty="0">
-                <a:latin typeface="Calibri"/>
-                <a:cs typeface="Calibri"/>
-              </a:rPr>
-              <a:t>). </a:t>
-            </a:r>
-            <a:r>
-              <a:rPr lang="it-IT" sz="1600" spc="-25" dirty="0" err="1">
-                <a:latin typeface="Calibri"/>
-                <a:cs typeface="Calibri"/>
-              </a:rPr>
-              <a:t>These</a:t>
-            </a:r>
-            <a:r>
-              <a:rPr lang="it-IT" sz="1600" spc="-25" dirty="0">
-                <a:latin typeface="Calibri"/>
-                <a:cs typeface="Calibri"/>
-              </a:rPr>
-              <a:t> are the </a:t>
-            </a:r>
-            <a:r>
-              <a:rPr lang="it-IT" sz="1600" spc="-25" dirty="0" err="1">
-                <a:latin typeface="Calibri"/>
-                <a:cs typeface="Calibri"/>
-              </a:rPr>
-              <a:t>results</a:t>
-            </a:r>
-            <a:r>
-              <a:rPr lang="it-IT" sz="1600" spc="-25" dirty="0">
-                <a:latin typeface="Calibri"/>
-                <a:cs typeface="Calibri"/>
-              </a:rPr>
-              <a:t>:</a:t>
-            </a:r>
-          </a:p>
+              <a:rPr lang="en-US" sz="2000" dirty="0"/>
+              <a:t>Performance of a Video production company:</a:t>
+            </a:r>
+            <a:endParaRPr sz="2000" dirty="0">
+              <a:latin typeface="Calibri"/>
+              <a:cs typeface="Calibri"/>
+            </a:endParaRPr>
+          </a:p>
+        </p:txBody>
+      </p:sp>
+      <p:sp>
+        <p:nvSpPr>
+          <p:cNvPr id="5" name="object 5"/>
+          <p:cNvSpPr txBox="1"/>
+          <p:nvPr/>
+        </p:nvSpPr>
+        <p:spPr>
+          <a:xfrm>
+            <a:off x="256743" y="2795510"/>
+            <a:ext cx="7680959" cy="1973617"/>
+          </a:xfrm>
+          <a:prstGeom prst="rect">
+            <a:avLst/>
+          </a:prstGeom>
+        </p:spPr>
+        <p:txBody>
+          <a:bodyPr vert="horz" wrap="square" lIns="0" tIns="34290" rIns="0" bIns="0" rtlCol="0">
+            <a:spAutoFit/>
+          </a:bodyPr>
+          <a:lstStyle/>
           <a:p>
             <a:pPr marL="12700">
               <a:lnSpc>
                 <a:spcPct val="100000"/>
               </a:lnSpc>
               <a:spcBef>
-                <a:spcPts val="535"/>
+                <a:spcPts val="270"/>
               </a:spcBef>
             </a:pPr>
             <a:r>
-              <a:rPr lang="it-IT" sz="1600" b="1" spc="-25" dirty="0">
-                <a:latin typeface="Calibri"/>
-                <a:cs typeface="Calibri"/>
-              </a:rPr>
-              <a:t>System </a:t>
-            </a:r>
-            <a:r>
-              <a:rPr lang="it-IT" sz="1600" b="1" spc="-25" dirty="0" err="1">
-                <a:latin typeface="Calibri"/>
-                <a:cs typeface="Calibri"/>
-              </a:rPr>
-              <a:t>Response</a:t>
-            </a:r>
-            <a:r>
-              <a:rPr lang="it-IT" sz="1600" b="1" spc="-25" dirty="0">
-                <a:latin typeface="Calibri"/>
-                <a:cs typeface="Calibri"/>
-              </a:rPr>
-              <a:t> Time (R):</a:t>
-            </a:r>
-            <a:endParaRPr sz="1600" b="1" dirty="0">
+              <a:rPr lang="en-US" dirty="0"/>
+              <a:t>The production of an episode of a series can be considered as the execution of six stages and three of them (audio, video and </a:t>
+            </a:r>
+            <a:r>
+              <a:rPr lang="en-US" dirty="0" err="1"/>
+              <a:t>vfx</a:t>
+            </a:r>
+            <a:r>
+              <a:rPr lang="en-US" dirty="0"/>
+              <a:t>) can be done in parallel.</a:t>
+            </a:r>
+            <a:br>
+              <a:rPr lang="en-US" dirty="0"/>
+            </a:br>
+            <a:br>
+              <a:rPr lang="en-US" dirty="0"/>
+            </a:br>
+            <a:br>
+              <a:rPr lang="en-US" dirty="0"/>
+            </a:br>
+            <a:r>
+              <a:rPr lang="en-US" dirty="0"/>
+              <a:t>I have used an open model to represent the Video production.</a:t>
+            </a:r>
+            <a:br>
+              <a:rPr lang="en-US" dirty="0"/>
+            </a:br>
+            <a:endParaRPr sz="1800" dirty="0">
+              <a:latin typeface="Calibri"/>
+              <a:cs typeface="Calibri"/>
+            </a:endParaRPr>
+          </a:p>
+        </p:txBody>
+      </p:sp>
+      <p:sp>
+        <p:nvSpPr>
+          <p:cNvPr id="10" name="object 10"/>
+          <p:cNvSpPr txBox="1">
+            <a:spLocks noGrp="1"/>
+          </p:cNvSpPr>
+          <p:nvPr>
+            <p:ph type="ftr" sz="quarter" idx="5"/>
+          </p:nvPr>
+        </p:nvSpPr>
+        <p:spPr>
+          <a:xfrm>
+            <a:off x="268935" y="6374079"/>
+            <a:ext cx="2256790" cy="182038"/>
+          </a:xfrm>
+          <a:prstGeom prst="rect">
+            <a:avLst/>
+          </a:prstGeom>
+        </p:spPr>
+        <p:txBody>
+          <a:bodyPr vert="horz" wrap="square" lIns="0" tIns="0" rIns="0" bIns="0" rtlCol="0">
+            <a:spAutoFit/>
+          </a:bodyPr>
+          <a:lstStyle/>
+          <a:p>
+            <a:pPr marL="12700">
+              <a:lnSpc>
+                <a:spcPts val="1425"/>
+              </a:lnSpc>
+            </a:pPr>
+            <a:r>
+              <a:rPr lang="it-IT" spc="-10" dirty="0"/>
+              <a:t>ID: 10938038</a:t>
+            </a:r>
+            <a:endParaRPr spc="-10" dirty="0"/>
+          </a:p>
+        </p:txBody>
+      </p:sp>
+    </p:spTree>
+  </p:cSld>
+  <p:clrMapOvr>
+    <a:masterClrMapping/>
+  </p:clrMapOvr>
+</p:sld>
+</file>
+
+<file path=ppt/slides/slide3.xml><?xml version="1.0" encoding="utf-8"?>
+<p:sld xmlns:a="http://schemas.openxmlformats.org/drawingml/2006/main" xmlns:r="http://schemas.openxmlformats.org/officeDocument/2006/relationships" xmlns:p="http://schemas.openxmlformats.org/presentationml/2006/main">
+  <p:cSld>
+    <p:spTree>
+      <p:nvGrpSpPr>
+        <p:cNvPr id="1" name=""/>
+        <p:cNvGrpSpPr/>
+        <p:nvPr/>
+      </p:nvGrpSpPr>
+      <p:grpSpPr>
+        <a:xfrm>
+          <a:off x="0" y="0"/>
+          <a:ext cx="0" cy="0"/>
+          <a:chOff x="0" y="0"/>
+          <a:chExt cx="0" cy="0"/>
+        </a:xfrm>
+      </p:grpSpPr>
+      <p:sp>
+        <p:nvSpPr>
+          <p:cNvPr id="2" name="object 2"/>
+          <p:cNvSpPr txBox="1">
+            <a:spLocks noGrp="1"/>
+          </p:cNvSpPr>
+          <p:nvPr>
+            <p:ph type="title"/>
+          </p:nvPr>
+        </p:nvSpPr>
+        <p:spPr>
+          <a:prstGeom prst="rect">
+            <a:avLst/>
+          </a:prstGeom>
+        </p:spPr>
+        <p:txBody>
+          <a:bodyPr vert="horz" wrap="square" lIns="0" tIns="13970" rIns="0" bIns="0" rtlCol="0">
+            <a:spAutoFit/>
+          </a:bodyPr>
+          <a:lstStyle/>
+          <a:p>
+            <a:pPr marL="12700">
+              <a:lnSpc>
+                <a:spcPct val="100000"/>
+              </a:lnSpc>
+              <a:spcBef>
+                <a:spcPts val="110"/>
+              </a:spcBef>
+            </a:pPr>
+            <a:r>
+              <a:rPr lang="it-IT" dirty="0"/>
+              <a:t>Scope</a:t>
+            </a:r>
+            <a:endParaRPr spc="-10" dirty="0"/>
+          </a:p>
+        </p:txBody>
+      </p:sp>
+      <p:sp>
+        <p:nvSpPr>
+          <p:cNvPr id="3" name="object 3"/>
+          <p:cNvSpPr txBox="1"/>
+          <p:nvPr/>
+        </p:nvSpPr>
+        <p:spPr>
+          <a:xfrm>
+            <a:off x="278688" y="1672272"/>
+            <a:ext cx="8598535" cy="1651478"/>
+          </a:xfrm>
+          <a:prstGeom prst="rect">
+            <a:avLst/>
+          </a:prstGeom>
+        </p:spPr>
+        <p:txBody>
+          <a:bodyPr vert="horz" wrap="square" lIns="0" tIns="13335" rIns="0" bIns="0" rtlCol="0">
+            <a:spAutoFit/>
+          </a:bodyPr>
+          <a:lstStyle/>
+          <a:p>
+            <a:pPr marL="12700" marR="5080">
+              <a:lnSpc>
+                <a:spcPct val="120000"/>
+              </a:lnSpc>
+              <a:spcBef>
+                <a:spcPts val="105"/>
+              </a:spcBef>
+            </a:pPr>
+            <a:r>
+              <a:rPr lang="it-IT" dirty="0">
+                <a:latin typeface="Calibri"/>
+                <a:cs typeface="Calibri"/>
+              </a:rPr>
+              <a:t>T</a:t>
+            </a:r>
+            <a:r>
+              <a:rPr sz="1800" dirty="0">
+                <a:latin typeface="Calibri"/>
+                <a:cs typeface="Calibri"/>
+              </a:rPr>
+              <a:t>he</a:t>
+            </a:r>
+            <a:r>
+              <a:rPr sz="1800" spc="-30" dirty="0">
+                <a:latin typeface="Calibri"/>
+                <a:cs typeface="Calibri"/>
+              </a:rPr>
+              <a:t> </a:t>
+            </a:r>
+            <a:r>
+              <a:rPr sz="1800" b="1" dirty="0">
+                <a:latin typeface="Calibri"/>
+                <a:cs typeface="Calibri"/>
+              </a:rPr>
+              <a:t>aim</a:t>
+            </a:r>
+            <a:r>
+              <a:rPr sz="1800" b="1" spc="-45" dirty="0">
+                <a:latin typeface="Calibri"/>
+                <a:cs typeface="Calibri"/>
+              </a:rPr>
+              <a:t> </a:t>
+            </a:r>
+            <a:r>
+              <a:rPr sz="1800" b="1" dirty="0">
+                <a:latin typeface="Calibri"/>
+                <a:cs typeface="Calibri"/>
+              </a:rPr>
+              <a:t>of</a:t>
+            </a:r>
+            <a:r>
+              <a:rPr sz="1800" b="1" spc="-20" dirty="0">
+                <a:latin typeface="Calibri"/>
+                <a:cs typeface="Calibri"/>
+              </a:rPr>
+              <a:t> </a:t>
+            </a:r>
+            <a:r>
+              <a:rPr sz="1800" b="1" dirty="0">
+                <a:latin typeface="Calibri"/>
+                <a:cs typeface="Calibri"/>
+              </a:rPr>
+              <a:t>the</a:t>
+            </a:r>
+            <a:r>
+              <a:rPr sz="1800" b="1" spc="-65" dirty="0">
+                <a:latin typeface="Calibri"/>
+                <a:cs typeface="Calibri"/>
+              </a:rPr>
+              <a:t> </a:t>
+            </a:r>
+            <a:r>
+              <a:rPr sz="1800" b="1" dirty="0">
+                <a:latin typeface="Calibri"/>
+                <a:cs typeface="Calibri"/>
+              </a:rPr>
+              <a:t>project</a:t>
+            </a:r>
+            <a:r>
+              <a:rPr sz="1800" b="1" spc="-20" dirty="0">
+                <a:latin typeface="Calibri"/>
+                <a:cs typeface="Calibri"/>
+              </a:rPr>
+              <a:t> </a:t>
+            </a:r>
+            <a:r>
+              <a:rPr sz="1800" dirty="0">
+                <a:latin typeface="Calibri"/>
+                <a:cs typeface="Calibri"/>
+              </a:rPr>
+              <a:t>is</a:t>
+            </a:r>
+            <a:r>
+              <a:rPr sz="1800" spc="-55" dirty="0">
+                <a:latin typeface="Calibri"/>
+                <a:cs typeface="Calibri"/>
+              </a:rPr>
+              <a:t> </a:t>
+            </a:r>
+            <a:r>
+              <a:rPr sz="1800" dirty="0">
+                <a:latin typeface="Calibri"/>
+                <a:cs typeface="Calibri"/>
+              </a:rPr>
+              <a:t>to</a:t>
+            </a:r>
+            <a:r>
+              <a:rPr sz="1800" spc="-35" dirty="0">
+                <a:latin typeface="Calibri"/>
+                <a:cs typeface="Calibri"/>
+              </a:rPr>
+              <a:t> </a:t>
+            </a:r>
+            <a:r>
+              <a:rPr sz="1800" spc="-10" dirty="0">
+                <a:latin typeface="Calibri"/>
+                <a:cs typeface="Calibri"/>
+              </a:rPr>
+              <a:t>find</a:t>
+            </a:r>
+            <a:r>
+              <a:rPr lang="it-IT" sz="1800" spc="-10" dirty="0">
+                <a:latin typeface="Calibri"/>
+                <a:cs typeface="Calibri"/>
+              </a:rPr>
+              <a:t> </a:t>
+            </a:r>
+            <a:r>
+              <a:rPr lang="en-US" dirty="0"/>
+              <a:t>the optimal configuration (i.e. best throughput) by testing different configuration in terms of number of episodes being produced, and number of units being used considering a target throughput and production time less or equal than 60 days. The production can afford two other units to work either on audio, video or VFX.</a:t>
+            </a:r>
+            <a:endParaRPr sz="1800" dirty="0">
               <a:latin typeface="Calibri"/>
               <a:cs typeface="Calibri"/>
             </a:endParaRPr>
@@ -15523,1030 +15034,6 @@
       </p:grpSp>
       <p:sp>
         <p:nvSpPr>
-          <p:cNvPr id="13" name="object 3">
-            <a:extLst>
-              <a:ext uri="{FF2B5EF4-FFF2-40B4-BE49-F238E27FC236}">
-                <a16:creationId xmlns:a16="http://schemas.microsoft.com/office/drawing/2014/main" id="{782BBF76-C121-F516-BEDE-6BB9F121C061}"/>
-              </a:ext>
-            </a:extLst>
-          </p:cNvPr>
-          <p:cNvSpPr txBox="1"/>
-          <p:nvPr/>
-        </p:nvSpPr>
-        <p:spPr>
-          <a:xfrm>
-            <a:off x="213360" y="3222275"/>
-            <a:ext cx="7903845" cy="314830"/>
-          </a:xfrm>
-          <a:prstGeom prst="rect">
-            <a:avLst/>
-          </a:prstGeom>
-        </p:spPr>
-        <p:txBody>
-          <a:bodyPr vert="horz" wrap="square" lIns="0" tIns="67945" rIns="0" bIns="0" rtlCol="0">
-            <a:spAutoFit/>
-          </a:bodyPr>
-          <a:lstStyle/>
-          <a:p>
-            <a:pPr marL="12700">
-              <a:lnSpc>
-                <a:spcPct val="100000"/>
-              </a:lnSpc>
-              <a:spcBef>
-                <a:spcPts val="535"/>
-              </a:spcBef>
-            </a:pPr>
-            <a:r>
-              <a:rPr lang="it-IT" sz="1600" b="1" spc="-25" dirty="0">
-                <a:latin typeface="Calibri"/>
-                <a:cs typeface="Calibri"/>
-              </a:rPr>
-              <a:t>System Throughput (X):</a:t>
-            </a:r>
-            <a:endParaRPr sz="1600" b="1" dirty="0">
-              <a:latin typeface="Calibri"/>
-              <a:cs typeface="Calibri"/>
-            </a:endParaRPr>
-          </a:p>
-        </p:txBody>
-      </p:sp>
-      <p:sp>
-        <p:nvSpPr>
-          <p:cNvPr id="18" name="object 3">
-            <a:extLst>
-              <a:ext uri="{FF2B5EF4-FFF2-40B4-BE49-F238E27FC236}">
-                <a16:creationId xmlns:a16="http://schemas.microsoft.com/office/drawing/2014/main" id="{B2ABE613-F73F-858C-CBE3-7FFCD888BA6B}"/>
-              </a:ext>
-            </a:extLst>
-          </p:cNvPr>
-          <p:cNvSpPr txBox="1"/>
-          <p:nvPr/>
-        </p:nvSpPr>
-        <p:spPr>
-          <a:xfrm>
-            <a:off x="213359" y="4706199"/>
-            <a:ext cx="7903845" cy="284052"/>
-          </a:xfrm>
-          <a:prstGeom prst="rect">
-            <a:avLst/>
-          </a:prstGeom>
-        </p:spPr>
-        <p:txBody>
-          <a:bodyPr vert="horz" wrap="square" lIns="0" tIns="67945" rIns="0" bIns="0" rtlCol="0">
-            <a:spAutoFit/>
-          </a:bodyPr>
-          <a:lstStyle/>
-          <a:p>
-            <a:pPr marL="12700">
-              <a:lnSpc>
-                <a:spcPct val="100000"/>
-              </a:lnSpc>
-              <a:spcBef>
-                <a:spcPts val="535"/>
-              </a:spcBef>
-            </a:pPr>
-            <a:r>
-              <a:rPr lang="it-IT" sz="1400" b="1" dirty="0" err="1">
-                <a:solidFill>
-                  <a:schemeClr val="tx1"/>
-                </a:solidFill>
-                <a:latin typeface="Calibri"/>
-                <a:cs typeface="Calibri"/>
-              </a:rPr>
-              <a:t>Number</a:t>
-            </a:r>
-            <a:r>
-              <a:rPr lang="it-IT" sz="1400" b="1" dirty="0">
-                <a:solidFill>
-                  <a:schemeClr val="tx1"/>
-                </a:solidFill>
-                <a:latin typeface="Calibri"/>
-                <a:cs typeface="Calibri"/>
-              </a:rPr>
-              <a:t> of Customers (N):</a:t>
-            </a:r>
-            <a:endParaRPr sz="1400" b="1" dirty="0">
-              <a:solidFill>
-                <a:schemeClr val="tx1"/>
-              </a:solidFill>
-              <a:latin typeface="Calibri"/>
-              <a:cs typeface="Calibri"/>
-            </a:endParaRPr>
-          </a:p>
-        </p:txBody>
-      </p:sp>
-      <p:sp>
-        <p:nvSpPr>
-          <p:cNvPr id="14" name="object 10">
-            <a:extLst>
-              <a:ext uri="{FF2B5EF4-FFF2-40B4-BE49-F238E27FC236}">
-                <a16:creationId xmlns:a16="http://schemas.microsoft.com/office/drawing/2014/main" id="{6CEE061F-4BCA-D1D0-2D8E-55E2B3C183F4}"/>
-              </a:ext>
-            </a:extLst>
-          </p:cNvPr>
-          <p:cNvSpPr txBox="1">
-            <a:spLocks noGrp="1"/>
-          </p:cNvSpPr>
-          <p:nvPr>
-            <p:ph type="ftr" sz="quarter" idx="5"/>
-          </p:nvPr>
-        </p:nvSpPr>
-        <p:spPr>
-          <a:xfrm>
-            <a:off x="268935" y="6374079"/>
-            <a:ext cx="2256790" cy="182038"/>
-          </a:xfrm>
-          <a:prstGeom prst="rect">
-            <a:avLst/>
-          </a:prstGeom>
-        </p:spPr>
-        <p:txBody>
-          <a:bodyPr vert="horz" wrap="square" lIns="0" tIns="0" rIns="0" bIns="0" rtlCol="0">
-            <a:spAutoFit/>
-          </a:bodyPr>
-          <a:lstStyle/>
-          <a:p>
-            <a:pPr marL="12700">
-              <a:lnSpc>
-                <a:spcPts val="1425"/>
-              </a:lnSpc>
-            </a:pPr>
-            <a:r>
-              <a:rPr lang="it-IT" spc="-10" dirty="0"/>
-              <a:t>ID: 10938038</a:t>
-            </a:r>
-            <a:endParaRPr spc="-10" dirty="0"/>
-          </a:p>
-        </p:txBody>
-      </p:sp>
-      <p:pic>
-        <p:nvPicPr>
-          <p:cNvPr id="8" name="Picture 7" descr="A screenshot of a computer&#10;&#10;Description automatically generated">
-            <a:extLst>
-              <a:ext uri="{FF2B5EF4-FFF2-40B4-BE49-F238E27FC236}">
-                <a16:creationId xmlns:a16="http://schemas.microsoft.com/office/drawing/2014/main" id="{1A346522-75BE-0ED9-0CA3-23FCCDAA863A}"/>
-              </a:ext>
-            </a:extLst>
-          </p:cNvPr>
-          <p:cNvPicPr>
-            <a:picLocks noChangeAspect="1"/>
-          </p:cNvPicPr>
-          <p:nvPr/>
-        </p:nvPicPr>
-        <p:blipFill>
-          <a:blip r:embed="rId2">
-            <a:extLst>
-              <a:ext uri="{28A0092B-C50C-407E-A947-70E740481C1C}">
-                <a14:useLocalDpi xmlns:a14="http://schemas.microsoft.com/office/drawing/2010/main" val="0"/>
-              </a:ext>
-            </a:extLst>
-          </a:blip>
-          <a:stretch>
-            <a:fillRect/>
-          </a:stretch>
-        </p:blipFill>
-        <p:spPr>
-          <a:xfrm>
-            <a:off x="1528826" y="2190296"/>
-            <a:ext cx="4874801" cy="970069"/>
-          </a:xfrm>
-          <a:prstGeom prst="rect">
-            <a:avLst/>
-          </a:prstGeom>
-        </p:spPr>
-      </p:pic>
-      <p:pic>
-        <p:nvPicPr>
-          <p:cNvPr id="11" name="Picture 10" descr="A screenshot of a computer&#10;&#10;Description automatically generated">
-            <a:extLst>
-              <a:ext uri="{FF2B5EF4-FFF2-40B4-BE49-F238E27FC236}">
-                <a16:creationId xmlns:a16="http://schemas.microsoft.com/office/drawing/2014/main" id="{50DC6458-5C74-24F1-7024-598FF44FF417}"/>
-              </a:ext>
-            </a:extLst>
-          </p:cNvPr>
-          <p:cNvPicPr>
-            <a:picLocks noChangeAspect="1"/>
-          </p:cNvPicPr>
-          <p:nvPr/>
-        </p:nvPicPr>
-        <p:blipFill>
-          <a:blip r:embed="rId3">
-            <a:extLst>
-              <a:ext uri="{28A0092B-C50C-407E-A947-70E740481C1C}">
-                <a14:useLocalDpi xmlns:a14="http://schemas.microsoft.com/office/drawing/2010/main" val="0"/>
-              </a:ext>
-            </a:extLst>
-          </a:blip>
-          <a:stretch>
-            <a:fillRect/>
-          </a:stretch>
-        </p:blipFill>
-        <p:spPr>
-          <a:xfrm>
-            <a:off x="1528826" y="3616268"/>
-            <a:ext cx="4997692" cy="1031404"/>
-          </a:xfrm>
-          <a:prstGeom prst="rect">
-            <a:avLst/>
-          </a:prstGeom>
-        </p:spPr>
-      </p:pic>
-      <p:pic>
-        <p:nvPicPr>
-          <p:cNvPr id="16" name="Picture 15" descr="A screenshot of a computer&#10;&#10;Description automatically generated">
-            <a:extLst>
-              <a:ext uri="{FF2B5EF4-FFF2-40B4-BE49-F238E27FC236}">
-                <a16:creationId xmlns:a16="http://schemas.microsoft.com/office/drawing/2014/main" id="{C98B40E2-6CD3-1DE2-8503-A9E9E78D50D6}"/>
-              </a:ext>
-            </a:extLst>
-          </p:cNvPr>
-          <p:cNvPicPr>
-            <a:picLocks noChangeAspect="1"/>
-          </p:cNvPicPr>
-          <p:nvPr/>
-        </p:nvPicPr>
-        <p:blipFill>
-          <a:blip r:embed="rId4">
-            <a:extLst>
-              <a:ext uri="{28A0092B-C50C-407E-A947-70E740481C1C}">
-                <a14:useLocalDpi xmlns:a14="http://schemas.microsoft.com/office/drawing/2010/main" val="0"/>
-              </a:ext>
-            </a:extLst>
-          </a:blip>
-          <a:stretch>
-            <a:fillRect/>
-          </a:stretch>
-        </p:blipFill>
-        <p:spPr>
-          <a:xfrm>
-            <a:off x="1528826" y="4973150"/>
-            <a:ext cx="4758135" cy="1120028"/>
-          </a:xfrm>
-          <a:prstGeom prst="rect">
-            <a:avLst/>
-          </a:prstGeom>
-        </p:spPr>
-      </p:pic>
-    </p:spTree>
-    <p:extLst>
-      <p:ext uri="{BB962C8B-B14F-4D97-AF65-F5344CB8AC3E}">
-        <p14:creationId xmlns:p14="http://schemas.microsoft.com/office/powerpoint/2010/main" val="2485891077"/>
-      </p:ext>
-    </p:extLst>
-  </p:cSld>
-  <p:clrMapOvr>
-    <a:masterClrMapping/>
-  </p:clrMapOvr>
-</p:sld>
-</file>
-
-<file path=ppt/slides/slide17.xml><?xml version="1.0" encoding="utf-8"?>
-<p:sld xmlns:a="http://schemas.openxmlformats.org/drawingml/2006/main" xmlns:r="http://schemas.openxmlformats.org/officeDocument/2006/relationships" xmlns:p="http://schemas.openxmlformats.org/presentationml/2006/main">
-  <p:cSld>
-    <p:spTree>
-      <p:nvGrpSpPr>
-        <p:cNvPr id="1" name=""/>
-        <p:cNvGrpSpPr/>
-        <p:nvPr/>
-      </p:nvGrpSpPr>
-      <p:grpSpPr>
-        <a:xfrm>
-          <a:off x="0" y="0"/>
-          <a:ext cx="0" cy="0"/>
-          <a:chOff x="0" y="0"/>
-          <a:chExt cx="0" cy="0"/>
-        </a:xfrm>
-      </p:grpSpPr>
-      <p:sp>
-        <p:nvSpPr>
-          <p:cNvPr id="2" name="Title 1">
-            <a:extLst>
-              <a:ext uri="{FF2B5EF4-FFF2-40B4-BE49-F238E27FC236}">
-                <a16:creationId xmlns:a16="http://schemas.microsoft.com/office/drawing/2014/main" id="{46E3DEB4-D109-0CE9-1C50-21C94492E926}"/>
-              </a:ext>
-            </a:extLst>
-          </p:cNvPr>
-          <p:cNvSpPr>
-            <a:spLocks noGrp="1"/>
-          </p:cNvSpPr>
-          <p:nvPr>
-            <p:ph type="title"/>
-          </p:nvPr>
-        </p:nvSpPr>
-        <p:spPr>
-          <a:xfrm>
-            <a:off x="367385" y="162890"/>
-            <a:ext cx="6551295" cy="338554"/>
-          </a:xfrm>
-        </p:spPr>
-        <p:txBody>
-          <a:bodyPr/>
-          <a:lstStyle/>
-          <a:p>
-            <a:r>
-              <a:rPr lang="it-IT" dirty="0" err="1"/>
-              <a:t>Results</a:t>
-            </a:r>
-            <a:endParaRPr lang="it-IT" dirty="0"/>
-          </a:p>
-        </p:txBody>
-      </p:sp>
-      <p:sp>
-        <p:nvSpPr>
-          <p:cNvPr id="3" name="Text Placeholder 2">
-            <a:extLst>
-              <a:ext uri="{FF2B5EF4-FFF2-40B4-BE49-F238E27FC236}">
-                <a16:creationId xmlns:a16="http://schemas.microsoft.com/office/drawing/2014/main" id="{6DA076D3-2F03-04E9-57E7-0F59A0C94B8C}"/>
-              </a:ext>
-            </a:extLst>
-          </p:cNvPr>
-          <p:cNvSpPr>
-            <a:spLocks noGrp="1"/>
-          </p:cNvSpPr>
-          <p:nvPr>
-            <p:ph type="body" idx="1"/>
-          </p:nvPr>
-        </p:nvSpPr>
-        <p:spPr>
-          <a:xfrm>
-            <a:off x="268935" y="1659505"/>
-            <a:ext cx="8517890" cy="2523768"/>
-          </a:xfrm>
-        </p:spPr>
-        <p:txBody>
-          <a:bodyPr/>
-          <a:lstStyle/>
-          <a:p>
-            <a:r>
-              <a:rPr lang="en-US" sz="1800" dirty="0">
-                <a:latin typeface="Calibri"/>
-                <a:cs typeface="Calibri"/>
-              </a:rPr>
-              <a:t>So, considering a response time &lt;= 60 days we can have about N = 6.3 (number of episodes) with a mean throughput value = 0.01089 (about 1 episode every 9.2 days)</a:t>
-            </a:r>
-            <a:br>
-              <a:rPr lang="en-US" sz="2000" dirty="0">
-                <a:latin typeface="Calibri"/>
-                <a:cs typeface="Calibri"/>
-              </a:rPr>
-            </a:br>
-            <a:br>
-              <a:rPr lang="en-US" sz="2000" dirty="0">
-                <a:latin typeface="Calibri"/>
-                <a:cs typeface="Calibri"/>
-              </a:rPr>
-            </a:br>
-            <a:r>
-              <a:rPr lang="en-US" sz="1800" dirty="0">
-                <a:solidFill>
-                  <a:srgbClr val="FF0000"/>
-                </a:solidFill>
-                <a:latin typeface="Calibri"/>
-                <a:cs typeface="Calibri"/>
-              </a:rPr>
-              <a:t>I discovered that this is the configuration (2 units for video editing and 2 for </a:t>
-            </a:r>
-            <a:r>
-              <a:rPr lang="en-US" sz="1800" dirty="0" err="1">
-                <a:solidFill>
-                  <a:srgbClr val="FF0000"/>
-                </a:solidFill>
-                <a:latin typeface="Calibri"/>
-                <a:cs typeface="Calibri"/>
-              </a:rPr>
-              <a:t>vfx</a:t>
-            </a:r>
-            <a:r>
-              <a:rPr lang="en-US" sz="1800" dirty="0">
-                <a:solidFill>
-                  <a:srgbClr val="FF0000"/>
-                </a:solidFill>
-                <a:latin typeface="Calibri"/>
-                <a:cs typeface="Calibri"/>
-              </a:rPr>
-              <a:t>) to obtain the best throughput considering a production time &lt;= 60 days.</a:t>
-            </a:r>
-          </a:p>
-          <a:p>
-            <a:endParaRPr lang="en-US" dirty="0">
-              <a:solidFill>
-                <a:srgbClr val="FF0000"/>
-              </a:solidFill>
-            </a:endParaRPr>
-          </a:p>
-          <a:p>
-            <a:endParaRPr lang="en-US" dirty="0">
-              <a:solidFill>
-                <a:srgbClr val="FF0000"/>
-              </a:solidFill>
-            </a:endParaRPr>
-          </a:p>
-          <a:p>
-            <a:r>
-              <a:rPr lang="en-US" dirty="0">
-                <a:solidFill>
-                  <a:srgbClr val="FF0000"/>
-                </a:solidFill>
-              </a:rPr>
-              <a:t>*I obtained the same result by considering Trial and Error and deterministic with mean value equal to 9.3.</a:t>
-            </a:r>
-            <a:endParaRPr lang="it-IT" dirty="0"/>
-          </a:p>
-        </p:txBody>
-      </p:sp>
-      <p:sp>
-        <p:nvSpPr>
-          <p:cNvPr id="4" name="object 10">
-            <a:extLst>
-              <a:ext uri="{FF2B5EF4-FFF2-40B4-BE49-F238E27FC236}">
-                <a16:creationId xmlns:a16="http://schemas.microsoft.com/office/drawing/2014/main" id="{5CE6740E-D1AB-146D-4313-4F792C650263}"/>
-              </a:ext>
-            </a:extLst>
-          </p:cNvPr>
-          <p:cNvSpPr txBox="1">
-            <a:spLocks noGrp="1"/>
-          </p:cNvSpPr>
-          <p:nvPr>
-            <p:ph type="ftr" sz="quarter" idx="5"/>
-          </p:nvPr>
-        </p:nvSpPr>
-        <p:spPr>
-          <a:xfrm>
-            <a:off x="268935" y="6374079"/>
-            <a:ext cx="2256790" cy="182038"/>
-          </a:xfrm>
-          <a:prstGeom prst="rect">
-            <a:avLst/>
-          </a:prstGeom>
-        </p:spPr>
-        <p:txBody>
-          <a:bodyPr vert="horz" wrap="square" lIns="0" tIns="0" rIns="0" bIns="0" rtlCol="0">
-            <a:spAutoFit/>
-          </a:bodyPr>
-          <a:lstStyle/>
-          <a:p>
-            <a:pPr marL="12700">
-              <a:lnSpc>
-                <a:spcPts val="1425"/>
-              </a:lnSpc>
-            </a:pPr>
-            <a:r>
-              <a:rPr lang="it-IT" spc="-10" dirty="0"/>
-              <a:t>ID: 10938038</a:t>
-            </a:r>
-            <a:endParaRPr spc="-10" dirty="0"/>
-          </a:p>
-        </p:txBody>
-      </p:sp>
-    </p:spTree>
-    <p:extLst>
-      <p:ext uri="{BB962C8B-B14F-4D97-AF65-F5344CB8AC3E}">
-        <p14:creationId xmlns:p14="http://schemas.microsoft.com/office/powerpoint/2010/main" val="2175334466"/>
-      </p:ext>
-    </p:extLst>
-  </p:cSld>
-  <p:clrMapOvr>
-    <a:masterClrMapping/>
-  </p:clrMapOvr>
-</p:sld>
-</file>
-
-<file path=ppt/slides/slide2.xml><?xml version="1.0" encoding="utf-8"?>
-<p:sld xmlns:a="http://schemas.openxmlformats.org/drawingml/2006/main" xmlns:r="http://schemas.openxmlformats.org/officeDocument/2006/relationships" xmlns:p="http://schemas.openxmlformats.org/presentationml/2006/main">
-  <p:cSld>
-    <p:spTree>
-      <p:nvGrpSpPr>
-        <p:cNvPr id="1" name=""/>
-        <p:cNvGrpSpPr/>
-        <p:nvPr/>
-      </p:nvGrpSpPr>
-      <p:grpSpPr>
-        <a:xfrm>
-          <a:off x="0" y="0"/>
-          <a:ext cx="0" cy="0"/>
-          <a:chOff x="0" y="0"/>
-          <a:chExt cx="0" cy="0"/>
-        </a:xfrm>
-      </p:grpSpPr>
-      <p:sp>
-        <p:nvSpPr>
-          <p:cNvPr id="2" name="object 2"/>
-          <p:cNvSpPr txBox="1">
-            <a:spLocks noGrp="1"/>
-          </p:cNvSpPr>
-          <p:nvPr>
-            <p:ph type="title"/>
-          </p:nvPr>
-        </p:nvSpPr>
-        <p:spPr>
-          <a:prstGeom prst="rect">
-            <a:avLst/>
-          </a:prstGeom>
-        </p:spPr>
-        <p:txBody>
-          <a:bodyPr vert="horz" wrap="square" lIns="0" tIns="13970" rIns="0" bIns="0" rtlCol="0">
-            <a:spAutoFit/>
-          </a:bodyPr>
-          <a:lstStyle/>
-          <a:p>
-            <a:pPr marL="12700">
-              <a:lnSpc>
-                <a:spcPct val="100000"/>
-              </a:lnSpc>
-              <a:spcBef>
-                <a:spcPts val="110"/>
-              </a:spcBef>
-            </a:pPr>
-            <a:r>
-              <a:rPr lang="it-IT" dirty="0"/>
-              <a:t>Presentation</a:t>
-            </a:r>
-            <a:endParaRPr spc="-10" dirty="0"/>
-          </a:p>
-        </p:txBody>
-      </p:sp>
-      <p:sp>
-        <p:nvSpPr>
-          <p:cNvPr id="3" name="object 3"/>
-          <p:cNvSpPr txBox="1"/>
-          <p:nvPr/>
-        </p:nvSpPr>
-        <p:spPr>
-          <a:xfrm>
-            <a:off x="278688" y="1672272"/>
-            <a:ext cx="8578215" cy="376385"/>
-          </a:xfrm>
-          <a:prstGeom prst="rect">
-            <a:avLst/>
-          </a:prstGeom>
-        </p:spPr>
-        <p:txBody>
-          <a:bodyPr vert="horz" wrap="square" lIns="0" tIns="67945" rIns="0" bIns="0" rtlCol="0">
-            <a:spAutoFit/>
-          </a:bodyPr>
-          <a:lstStyle/>
-          <a:p>
-            <a:pPr marL="12700">
-              <a:lnSpc>
-                <a:spcPct val="100000"/>
-              </a:lnSpc>
-              <a:spcBef>
-                <a:spcPts val="535"/>
-              </a:spcBef>
-            </a:pPr>
-            <a:r>
-              <a:rPr lang="en-US" sz="2000" dirty="0"/>
-              <a:t>Performance of a Video production company:</a:t>
-            </a:r>
-            <a:endParaRPr sz="2000" dirty="0">
-              <a:latin typeface="Calibri"/>
-              <a:cs typeface="Calibri"/>
-            </a:endParaRPr>
-          </a:p>
-        </p:txBody>
-      </p:sp>
-      <p:sp>
-        <p:nvSpPr>
-          <p:cNvPr id="5" name="object 5"/>
-          <p:cNvSpPr txBox="1"/>
-          <p:nvPr/>
-        </p:nvSpPr>
-        <p:spPr>
-          <a:xfrm>
-            <a:off x="256743" y="2795510"/>
-            <a:ext cx="7680959" cy="1973617"/>
-          </a:xfrm>
-          <a:prstGeom prst="rect">
-            <a:avLst/>
-          </a:prstGeom>
-        </p:spPr>
-        <p:txBody>
-          <a:bodyPr vert="horz" wrap="square" lIns="0" tIns="34290" rIns="0" bIns="0" rtlCol="0">
-            <a:spAutoFit/>
-          </a:bodyPr>
-          <a:lstStyle/>
-          <a:p>
-            <a:pPr marL="12700">
-              <a:lnSpc>
-                <a:spcPct val="100000"/>
-              </a:lnSpc>
-              <a:spcBef>
-                <a:spcPts val="270"/>
-              </a:spcBef>
-            </a:pPr>
-            <a:r>
-              <a:rPr lang="en-US" dirty="0"/>
-              <a:t>The production of an episode of a series can be considered as the execution of six stages and three of them (audio, video and </a:t>
-            </a:r>
-            <a:r>
-              <a:rPr lang="en-US" dirty="0" err="1"/>
-              <a:t>vfx</a:t>
-            </a:r>
-            <a:r>
-              <a:rPr lang="en-US" dirty="0"/>
-              <a:t>) can be done in parallel.</a:t>
-            </a:r>
-            <a:br>
-              <a:rPr lang="en-US" dirty="0"/>
-            </a:br>
-            <a:br>
-              <a:rPr lang="en-US" dirty="0"/>
-            </a:br>
-            <a:br>
-              <a:rPr lang="en-US" dirty="0"/>
-            </a:br>
-            <a:r>
-              <a:rPr lang="en-US" dirty="0"/>
-              <a:t>I have used an open model to represent the Video production.</a:t>
-            </a:r>
-            <a:br>
-              <a:rPr lang="en-US" dirty="0"/>
-            </a:br>
-            <a:endParaRPr sz="1800" dirty="0">
-              <a:latin typeface="Calibri"/>
-              <a:cs typeface="Calibri"/>
-            </a:endParaRPr>
-          </a:p>
-        </p:txBody>
-      </p:sp>
-      <p:sp>
-        <p:nvSpPr>
-          <p:cNvPr id="10" name="object 10"/>
-          <p:cNvSpPr txBox="1">
-            <a:spLocks noGrp="1"/>
-          </p:cNvSpPr>
-          <p:nvPr>
-            <p:ph type="ftr" sz="quarter" idx="5"/>
-          </p:nvPr>
-        </p:nvSpPr>
-        <p:spPr>
-          <a:xfrm>
-            <a:off x="268935" y="6374079"/>
-            <a:ext cx="2256790" cy="182038"/>
-          </a:xfrm>
-          <a:prstGeom prst="rect">
-            <a:avLst/>
-          </a:prstGeom>
-        </p:spPr>
-        <p:txBody>
-          <a:bodyPr vert="horz" wrap="square" lIns="0" tIns="0" rIns="0" bIns="0" rtlCol="0">
-            <a:spAutoFit/>
-          </a:bodyPr>
-          <a:lstStyle/>
-          <a:p>
-            <a:pPr marL="12700">
-              <a:lnSpc>
-                <a:spcPts val="1425"/>
-              </a:lnSpc>
-            </a:pPr>
-            <a:r>
-              <a:rPr lang="it-IT" spc="-10" dirty="0"/>
-              <a:t>ID: 10938038</a:t>
-            </a:r>
-            <a:endParaRPr spc="-10" dirty="0"/>
-          </a:p>
-        </p:txBody>
-      </p:sp>
-    </p:spTree>
-  </p:cSld>
-  <p:clrMapOvr>
-    <a:masterClrMapping/>
-  </p:clrMapOvr>
-</p:sld>
-</file>
-
-<file path=ppt/slides/slide3.xml><?xml version="1.0" encoding="utf-8"?>
-<p:sld xmlns:a="http://schemas.openxmlformats.org/drawingml/2006/main" xmlns:r="http://schemas.openxmlformats.org/officeDocument/2006/relationships" xmlns:p="http://schemas.openxmlformats.org/presentationml/2006/main">
-  <p:cSld>
-    <p:spTree>
-      <p:nvGrpSpPr>
-        <p:cNvPr id="1" name=""/>
-        <p:cNvGrpSpPr/>
-        <p:nvPr/>
-      </p:nvGrpSpPr>
-      <p:grpSpPr>
-        <a:xfrm>
-          <a:off x="0" y="0"/>
-          <a:ext cx="0" cy="0"/>
-          <a:chOff x="0" y="0"/>
-          <a:chExt cx="0" cy="0"/>
-        </a:xfrm>
-      </p:grpSpPr>
-      <p:sp>
-        <p:nvSpPr>
-          <p:cNvPr id="2" name="object 2"/>
-          <p:cNvSpPr txBox="1">
-            <a:spLocks noGrp="1"/>
-          </p:cNvSpPr>
-          <p:nvPr>
-            <p:ph type="title"/>
-          </p:nvPr>
-        </p:nvSpPr>
-        <p:spPr>
-          <a:prstGeom prst="rect">
-            <a:avLst/>
-          </a:prstGeom>
-        </p:spPr>
-        <p:txBody>
-          <a:bodyPr vert="horz" wrap="square" lIns="0" tIns="13970" rIns="0" bIns="0" rtlCol="0">
-            <a:spAutoFit/>
-          </a:bodyPr>
-          <a:lstStyle/>
-          <a:p>
-            <a:pPr marL="12700">
-              <a:lnSpc>
-                <a:spcPct val="100000"/>
-              </a:lnSpc>
-              <a:spcBef>
-                <a:spcPts val="110"/>
-              </a:spcBef>
-            </a:pPr>
-            <a:r>
-              <a:rPr lang="it-IT" dirty="0"/>
-              <a:t>Scope</a:t>
-            </a:r>
-            <a:endParaRPr spc="-10" dirty="0"/>
-          </a:p>
-        </p:txBody>
-      </p:sp>
-      <p:sp>
-        <p:nvSpPr>
-          <p:cNvPr id="3" name="object 3"/>
-          <p:cNvSpPr txBox="1"/>
-          <p:nvPr/>
-        </p:nvSpPr>
-        <p:spPr>
-          <a:xfrm>
-            <a:off x="278688" y="1672272"/>
-            <a:ext cx="8598535" cy="1651478"/>
-          </a:xfrm>
-          <a:prstGeom prst="rect">
-            <a:avLst/>
-          </a:prstGeom>
-        </p:spPr>
-        <p:txBody>
-          <a:bodyPr vert="horz" wrap="square" lIns="0" tIns="13335" rIns="0" bIns="0" rtlCol="0">
-            <a:spAutoFit/>
-          </a:bodyPr>
-          <a:lstStyle/>
-          <a:p>
-            <a:pPr marL="12700" marR="5080">
-              <a:lnSpc>
-                <a:spcPct val="120000"/>
-              </a:lnSpc>
-              <a:spcBef>
-                <a:spcPts val="105"/>
-              </a:spcBef>
-            </a:pPr>
-            <a:r>
-              <a:rPr lang="it-IT" dirty="0">
-                <a:latin typeface="Calibri"/>
-                <a:cs typeface="Calibri"/>
-              </a:rPr>
-              <a:t>T</a:t>
-            </a:r>
-            <a:r>
-              <a:rPr sz="1800" dirty="0">
-                <a:latin typeface="Calibri"/>
-                <a:cs typeface="Calibri"/>
-              </a:rPr>
-              <a:t>he</a:t>
-            </a:r>
-            <a:r>
-              <a:rPr sz="1800" spc="-30" dirty="0">
-                <a:latin typeface="Calibri"/>
-                <a:cs typeface="Calibri"/>
-              </a:rPr>
-              <a:t> </a:t>
-            </a:r>
-            <a:r>
-              <a:rPr sz="1800" b="1" dirty="0">
-                <a:latin typeface="Calibri"/>
-                <a:cs typeface="Calibri"/>
-              </a:rPr>
-              <a:t>aim</a:t>
-            </a:r>
-            <a:r>
-              <a:rPr sz="1800" b="1" spc="-45" dirty="0">
-                <a:latin typeface="Calibri"/>
-                <a:cs typeface="Calibri"/>
-              </a:rPr>
-              <a:t> </a:t>
-            </a:r>
-            <a:r>
-              <a:rPr sz="1800" b="1" dirty="0">
-                <a:latin typeface="Calibri"/>
-                <a:cs typeface="Calibri"/>
-              </a:rPr>
-              <a:t>of</a:t>
-            </a:r>
-            <a:r>
-              <a:rPr sz="1800" b="1" spc="-20" dirty="0">
-                <a:latin typeface="Calibri"/>
-                <a:cs typeface="Calibri"/>
-              </a:rPr>
-              <a:t> </a:t>
-            </a:r>
-            <a:r>
-              <a:rPr sz="1800" b="1" dirty="0">
-                <a:latin typeface="Calibri"/>
-                <a:cs typeface="Calibri"/>
-              </a:rPr>
-              <a:t>the</a:t>
-            </a:r>
-            <a:r>
-              <a:rPr sz="1800" b="1" spc="-65" dirty="0">
-                <a:latin typeface="Calibri"/>
-                <a:cs typeface="Calibri"/>
-              </a:rPr>
-              <a:t> </a:t>
-            </a:r>
-            <a:r>
-              <a:rPr sz="1800" b="1" dirty="0">
-                <a:latin typeface="Calibri"/>
-                <a:cs typeface="Calibri"/>
-              </a:rPr>
-              <a:t>project</a:t>
-            </a:r>
-            <a:r>
-              <a:rPr sz="1800" b="1" spc="-20" dirty="0">
-                <a:latin typeface="Calibri"/>
-                <a:cs typeface="Calibri"/>
-              </a:rPr>
-              <a:t> </a:t>
-            </a:r>
-            <a:r>
-              <a:rPr sz="1800" dirty="0">
-                <a:latin typeface="Calibri"/>
-                <a:cs typeface="Calibri"/>
-              </a:rPr>
-              <a:t>is</a:t>
-            </a:r>
-            <a:r>
-              <a:rPr sz="1800" spc="-55" dirty="0">
-                <a:latin typeface="Calibri"/>
-                <a:cs typeface="Calibri"/>
-              </a:rPr>
-              <a:t> </a:t>
-            </a:r>
-            <a:r>
-              <a:rPr sz="1800" dirty="0">
-                <a:latin typeface="Calibri"/>
-                <a:cs typeface="Calibri"/>
-              </a:rPr>
-              <a:t>to</a:t>
-            </a:r>
-            <a:r>
-              <a:rPr sz="1800" spc="-35" dirty="0">
-                <a:latin typeface="Calibri"/>
-                <a:cs typeface="Calibri"/>
-              </a:rPr>
-              <a:t> </a:t>
-            </a:r>
-            <a:r>
-              <a:rPr sz="1800" spc="-10" dirty="0">
-                <a:latin typeface="Calibri"/>
-                <a:cs typeface="Calibri"/>
-              </a:rPr>
-              <a:t>find</a:t>
-            </a:r>
-            <a:r>
-              <a:rPr lang="it-IT" sz="1800" spc="-10" dirty="0">
-                <a:latin typeface="Calibri"/>
-                <a:cs typeface="Calibri"/>
-              </a:rPr>
-              <a:t> </a:t>
-            </a:r>
-            <a:r>
-              <a:rPr lang="en-US" dirty="0"/>
-              <a:t>the optimal configuration (i.e. best throughput) by testing different configuration in terms of number of episodes being produced, and number of units being used considering a target throughput and production time less or equal than 60 days. The production can afford two other units to work either on audio, video or VFX.</a:t>
-            </a:r>
-            <a:endParaRPr sz="1800" dirty="0">
-              <a:latin typeface="Calibri"/>
-              <a:cs typeface="Calibri"/>
-            </a:endParaRPr>
-          </a:p>
-        </p:txBody>
-      </p:sp>
-      <p:grpSp>
-        <p:nvGrpSpPr>
-          <p:cNvPr id="4" name="object 4"/>
-          <p:cNvGrpSpPr/>
-          <p:nvPr/>
-        </p:nvGrpSpPr>
-        <p:grpSpPr>
-          <a:xfrm>
-            <a:off x="290195" y="6401434"/>
-            <a:ext cx="2513330" cy="227329"/>
-            <a:chOff x="290195" y="6401434"/>
-            <a:chExt cx="2513330" cy="227329"/>
-          </a:xfrm>
-        </p:grpSpPr>
-        <p:sp>
-          <p:nvSpPr>
-            <p:cNvPr id="5" name="object 5"/>
-            <p:cNvSpPr/>
-            <p:nvPr/>
-          </p:nvSpPr>
-          <p:spPr>
-            <a:xfrm>
-              <a:off x="291084" y="6402323"/>
-              <a:ext cx="2512060" cy="226060"/>
-            </a:xfrm>
-            <a:custGeom>
-              <a:avLst/>
-              <a:gdLst/>
-              <a:ahLst/>
-              <a:cxnLst/>
-              <a:rect l="l" t="t" r="r" b="b"/>
-              <a:pathLst>
-                <a:path w="2512060" h="226059">
-                  <a:moveTo>
-                    <a:pt x="2511552" y="0"/>
-                  </a:moveTo>
-                  <a:lnTo>
-                    <a:pt x="0" y="0"/>
-                  </a:lnTo>
-                  <a:lnTo>
-                    <a:pt x="0" y="225551"/>
-                  </a:lnTo>
-                  <a:lnTo>
-                    <a:pt x="2511552" y="225551"/>
-                  </a:lnTo>
-                  <a:lnTo>
-                    <a:pt x="2511552" y="0"/>
-                  </a:lnTo>
-                  <a:close/>
-                </a:path>
-              </a:pathLst>
-            </a:custGeom>
-            <a:solidFill>
-              <a:srgbClr val="718FA4"/>
-            </a:solidFill>
-          </p:spPr>
-          <p:txBody>
-            <a:bodyPr wrap="square" lIns="0" tIns="0" rIns="0" bIns="0" rtlCol="0"/>
-            <a:lstStyle/>
-            <a:p>
-              <a:endParaRPr/>
-            </a:p>
-          </p:txBody>
-        </p:sp>
-        <p:sp>
-          <p:nvSpPr>
-            <p:cNvPr id="6" name="object 6"/>
-            <p:cNvSpPr/>
-            <p:nvPr/>
-          </p:nvSpPr>
-          <p:spPr>
-            <a:xfrm>
-              <a:off x="291084" y="6402323"/>
-              <a:ext cx="2512060" cy="226060"/>
-            </a:xfrm>
-            <a:custGeom>
-              <a:avLst/>
-              <a:gdLst/>
-              <a:ahLst/>
-              <a:cxnLst/>
-              <a:rect l="l" t="t" r="r" b="b"/>
-              <a:pathLst>
-                <a:path w="2512060" h="226059">
-                  <a:moveTo>
-                    <a:pt x="0" y="225551"/>
-                  </a:moveTo>
-                  <a:lnTo>
-                    <a:pt x="2511552" y="225551"/>
-                  </a:lnTo>
-                  <a:lnTo>
-                    <a:pt x="2511552" y="0"/>
-                  </a:lnTo>
-                  <a:lnTo>
-                    <a:pt x="0" y="0"/>
-                  </a:lnTo>
-                  <a:lnTo>
-                    <a:pt x="0" y="225551"/>
-                  </a:lnTo>
-                  <a:close/>
-                </a:path>
-              </a:pathLst>
-            </a:custGeom>
-            <a:ln w="3175">
-              <a:solidFill>
-                <a:srgbClr val="718FA4"/>
-              </a:solidFill>
-            </a:ln>
-          </p:spPr>
-          <p:txBody>
-            <a:bodyPr wrap="square" lIns="0" tIns="0" rIns="0" bIns="0" rtlCol="0"/>
-            <a:lstStyle/>
-            <a:p>
-              <a:endParaRPr/>
-            </a:p>
-          </p:txBody>
-        </p:sp>
-      </p:grpSp>
-      <p:sp>
-        <p:nvSpPr>
           <p:cNvPr id="7" name="object 7"/>
           <p:cNvSpPr txBox="1"/>
           <p:nvPr/>
@@ -17056,7 +15543,7 @@
         <p:spPr>
           <a:xfrm>
             <a:off x="253695" y="1524000"/>
-            <a:ext cx="7594905" cy="3880549"/>
+            <a:ext cx="7594905" cy="4239622"/>
           </a:xfrm>
           <a:prstGeom prst="rect">
             <a:avLst/>
@@ -17334,7 +15821,45 @@
               </a:rPr>
               <a:t>  -11.3686   26.3567</a:t>
             </a:r>
-            <a:endParaRPr sz="1000" dirty="0">
+          </a:p>
+          <a:p>
+            <a:pPr>
+              <a:lnSpc>
+                <a:spcPct val="100000"/>
+              </a:lnSpc>
+              <a:spcBef>
+                <a:spcPts val="1605"/>
+              </a:spcBef>
+            </a:pPr>
+            <a:r>
+              <a:rPr lang="it-IT" sz="1200" dirty="0">
+                <a:latin typeface="Calibri"/>
+                <a:cs typeface="Calibri"/>
+              </a:rPr>
+              <a:t>* Erlang </a:t>
+            </a:r>
+            <a:r>
+              <a:rPr lang="it-IT" sz="1200" dirty="0" err="1">
+                <a:latin typeface="Calibri"/>
+                <a:cs typeface="Calibri"/>
+              </a:rPr>
+              <a:t>not</a:t>
+            </a:r>
+            <a:r>
+              <a:rPr lang="it-IT" sz="1200" dirty="0">
+                <a:latin typeface="Calibri"/>
+                <a:cs typeface="Calibri"/>
+              </a:rPr>
+              <a:t> </a:t>
+            </a:r>
+            <a:r>
+              <a:rPr lang="it-IT" sz="1200" dirty="0" err="1">
+                <a:latin typeface="Calibri"/>
+                <a:cs typeface="Calibri"/>
+              </a:rPr>
+              <a:t>suitable</a:t>
+            </a:r>
+            <a:endParaRPr sz="1200" dirty="0">
               <a:latin typeface="Calibri"/>
               <a:cs typeface="Calibri"/>
             </a:endParaRPr>
@@ -17609,7 +16134,7 @@
         <p:spPr>
           <a:xfrm>
             <a:off x="253695" y="1524000"/>
-            <a:ext cx="7594905" cy="3880549"/>
+            <a:ext cx="7594905" cy="4598695"/>
           </a:xfrm>
           <a:prstGeom prst="rect">
             <a:avLst/>
@@ -17887,6 +16412,30 @@
               </a:rPr>
               <a:t>  -12.2929   28.3884</a:t>
             </a:r>
+          </a:p>
+          <a:p>
+            <a:pPr>
+              <a:spcBef>
+                <a:spcPts val="1605"/>
+              </a:spcBef>
+            </a:pPr>
+            <a:r>
+              <a:rPr lang="en-US" sz="1200" dirty="0">
+                <a:latin typeface="Calibri"/>
+                <a:cs typeface="Calibri"/>
+              </a:rPr>
+              <a:t>* Erlang not suitable</a:t>
+            </a:r>
+          </a:p>
+          <a:p>
+            <a:pPr>
+              <a:lnSpc>
+                <a:spcPct val="100000"/>
+              </a:lnSpc>
+              <a:spcBef>
+                <a:spcPts val="1605"/>
+              </a:spcBef>
+            </a:pPr>
             <a:endParaRPr sz="1000" dirty="0">
               <a:latin typeface="Calibri"/>
               <a:cs typeface="Calibri"/>
@@ -18167,7 +16716,7 @@
         <p:spPr>
           <a:xfrm>
             <a:off x="253695" y="1524000"/>
-            <a:ext cx="7594905" cy="3880549"/>
+            <a:ext cx="7594905" cy="4598695"/>
           </a:xfrm>
           <a:prstGeom prst="rect">
             <a:avLst/>
@@ -18445,6 +16994,30 @@
               </a:rPr>
               <a:t>  -15.0873   35.0829</a:t>
             </a:r>
+          </a:p>
+          <a:p>
+            <a:pPr>
+              <a:spcBef>
+                <a:spcPts val="1605"/>
+              </a:spcBef>
+            </a:pPr>
+            <a:r>
+              <a:rPr lang="en-US" sz="1200" dirty="0">
+                <a:latin typeface="Calibri"/>
+                <a:cs typeface="Calibri"/>
+              </a:rPr>
+              <a:t>* Erlang not suitable</a:t>
+            </a:r>
+          </a:p>
+          <a:p>
+            <a:pPr>
+              <a:lnSpc>
+                <a:spcPct val="100000"/>
+              </a:lnSpc>
+              <a:spcBef>
+                <a:spcPts val="1605"/>
+              </a:spcBef>
+            </a:pPr>
             <a:endParaRPr sz="1000" dirty="0">
               <a:latin typeface="Calibri"/>
               <a:cs typeface="Calibri"/>
@@ -18725,7 +17298,7 @@
         <p:spPr>
           <a:xfrm>
             <a:off x="253695" y="1524000"/>
-            <a:ext cx="7594905" cy="3880549"/>
+            <a:ext cx="7594905" cy="4598695"/>
           </a:xfrm>
           <a:prstGeom prst="rect">
             <a:avLst/>
@@ -19003,6 +17576,30 @@
               </a:rPr>
               <a:t>   -2.5409    9.4720</a:t>
             </a:r>
+          </a:p>
+          <a:p>
+            <a:pPr>
+              <a:spcBef>
+                <a:spcPts val="1605"/>
+              </a:spcBef>
+            </a:pPr>
+            <a:r>
+              <a:rPr lang="en-US" sz="1200" dirty="0">
+                <a:latin typeface="Calibri"/>
+                <a:cs typeface="Calibri"/>
+              </a:rPr>
+              <a:t>* Erlang not suitable</a:t>
+            </a:r>
+          </a:p>
+          <a:p>
+            <a:pPr>
+              <a:lnSpc>
+                <a:spcPct val="100000"/>
+              </a:lnSpc>
+              <a:spcBef>
+                <a:spcPts val="1605"/>
+              </a:spcBef>
+            </a:pPr>
             <a:endParaRPr sz="1000" dirty="0">
               <a:latin typeface="Calibri"/>
               <a:cs typeface="Calibri"/>

--- a/Final_Project/finalProject_open10938038.pptx
+++ b/Final_Project/finalProject_open10938038.pptx
@@ -8365,28 +8365,6 @@
           </a:p>
         </p:txBody>
       </p:sp>
-      <p:pic>
-        <p:nvPicPr>
-          <p:cNvPr id="3" name="object 3"/>
-          <p:cNvPicPr/>
-          <p:nvPr/>
-        </p:nvPicPr>
-        <p:blipFill>
-          <a:blip r:embed="rId2" cstate="print"/>
-          <a:stretch>
-            <a:fillRect/>
-          </a:stretch>
-        </p:blipFill>
-        <p:spPr>
-          <a:xfrm>
-            <a:off x="4039219" y="1923986"/>
-            <a:ext cx="891699" cy="892770"/>
-          </a:xfrm>
-          <a:prstGeom prst="rect">
-            <a:avLst/>
-          </a:prstGeom>
-        </p:spPr>
-      </p:pic>
       <p:sp>
         <p:nvSpPr>
           <p:cNvPr id="4" name="object 4"/>
@@ -8395,7 +8373,7 @@
         </p:nvSpPr>
         <p:spPr>
           <a:xfrm>
-            <a:off x="3826259" y="3232556"/>
+            <a:off x="3822763" y="2525928"/>
             <a:ext cx="1324610" cy="154940"/>
           </a:xfrm>
           <a:custGeom>
@@ -9696,7 +9674,7 @@
         </p:nvSpPr>
         <p:spPr>
           <a:xfrm>
-            <a:off x="3493091" y="2914777"/>
+            <a:off x="3491293" y="2207437"/>
             <a:ext cx="1987550" cy="221615"/>
           </a:xfrm>
           <a:custGeom>
@@ -11339,7 +11317,7 @@
         <p:spPr>
           <a:xfrm>
             <a:off x="726135" y="1727403"/>
-            <a:ext cx="7431405" cy="1705595"/>
+            <a:ext cx="7431405" cy="1808187"/>
           </a:xfrm>
           <a:prstGeom prst="rect">
             <a:avLst/>
@@ -11499,8 +11477,12 @@
                 <a:latin typeface="Calibri"/>
                 <a:cs typeface="Calibri"/>
               </a:rPr>
-              <a:t>Source and deterministic arrival rate</a:t>
-            </a:r>
+              <a:t>Source.</a:t>
+            </a:r>
+            <a:endParaRPr lang="it-IT" sz="1800" dirty="0">
+              <a:latin typeface="Calibri"/>
+              <a:cs typeface="Calibri"/>
+            </a:endParaRPr>
           </a:p>
           <a:p>
             <a:pPr>
@@ -11510,10 +11492,22 @@
               <a:spcBef>
                 <a:spcPts val="830"/>
               </a:spcBef>
-              <a:buFont typeface="Courier New"/>
-              <a:buChar char="o"/>
             </a:pPr>
-            <a:endParaRPr lang="it-IT" sz="1800" dirty="0">
+            <a:endParaRPr lang="en-US" dirty="0">
+              <a:latin typeface="Calibri"/>
+              <a:cs typeface="Calibri"/>
+            </a:endParaRPr>
+          </a:p>
+          <a:p>
+            <a:pPr>
+              <a:lnSpc>
+                <a:spcPct val="100000"/>
+              </a:lnSpc>
+              <a:spcBef>
+                <a:spcPts val="830"/>
+              </a:spcBef>
+            </a:pPr>
+            <a:endParaRPr lang="en-US" dirty="0">
               <a:latin typeface="Calibri"/>
               <a:cs typeface="Calibri"/>
             </a:endParaRPr>
@@ -13676,7 +13670,21 @@
                 <a:latin typeface="Calibri"/>
                 <a:cs typeface="Calibri"/>
               </a:rPr>
-              <a:t> are VFX and Video Editing =&gt; I decide to set 2 servers for </a:t>
+              <a:t> are VFX and Video Editing =&gt; I decide to set </a:t>
+            </a:r>
+            <a:r>
+              <a:rPr lang="it-IT" sz="1600" b="1" spc="-25" dirty="0">
+                <a:latin typeface="Calibri"/>
+                <a:cs typeface="Calibri"/>
+              </a:rPr>
+              <a:t>2 servers </a:t>
+            </a:r>
+            <a:r>
+              <a:rPr lang="it-IT" sz="1600" spc="-25" dirty="0">
+                <a:latin typeface="Calibri"/>
+                <a:cs typeface="Calibri"/>
+              </a:rPr>
+              <a:t>for </a:t>
             </a:r>
             <a:r>
               <a:rPr lang="it-IT" sz="1600" b="1" spc="-25" dirty="0" err="1">
@@ -19219,17 +19227,24 @@
                 <a:latin typeface="Calibri"/>
                 <a:cs typeface="Calibri"/>
               </a:rPr>
-              <a:t>n open</a:t>
-            </a:r>
-            <a:r>
-              <a:rPr sz="1800" dirty="0">
+              <a:t>n </a:t>
+            </a:r>
+            <a:r>
+              <a:rPr lang="it-IT" b="1" spc="-25" dirty="0">
+                <a:latin typeface="Calibri"/>
+                <a:cs typeface="Calibri"/>
+              </a:rPr>
+              <a:t>open</a:t>
+            </a:r>
+            <a:r>
+              <a:rPr sz="1800" b="1" dirty="0">
                 <a:latin typeface="Calibri"/>
                 <a:cs typeface="Calibri"/>
               </a:rPr>
               <a:t>,</a:t>
             </a:r>
             <a:r>
-              <a:rPr sz="1800" spc="-35" dirty="0">
+              <a:rPr sz="1800" b="1" spc="-35" dirty="0">
                 <a:latin typeface="Calibri"/>
                 <a:cs typeface="Calibri"/>
               </a:rPr>
